--- a/我要唱快樂頌.pptx
+++ b/我要唱快樂頌.pptx
@@ -5,12 +5,14 @@
     <p:sldMasterId id="2147483660" r:id="rId1"/>
   </p:sldMasterIdLst>
   <p:sldIdLst>
-    <p:sldId id="256" r:id="rId2"/>
-    <p:sldId id="257" r:id="rId3"/>
-    <p:sldId id="258" r:id="rId4"/>
-    <p:sldId id="259" r:id="rId5"/>
-    <p:sldId id="260" r:id="rId6"/>
-    <p:sldId id="261" r:id="rId7"/>
+    <p:sldId id="262" r:id="rId2"/>
+    <p:sldId id="264" r:id="rId3"/>
+    <p:sldId id="265" r:id="rId4"/>
+    <p:sldId id="266" r:id="rId5"/>
+    <p:sldId id="267" r:id="rId6"/>
+    <p:sldId id="268" r:id="rId7"/>
+    <p:sldId id="269" r:id="rId8"/>
+    <p:sldId id="270" r:id="rId9"/>
   </p:sldIdLst>
   <p:sldSz cx="9144000" cy="5143500" type="screen16x9"/>
   <p:notesSz cx="6858000" cy="9144000"/>
@@ -109,6 +111,22 @@
       </a:defRPr>
     </a:lvl9pPr>
   </p:defaultTextStyle>
+  <p:extLst>
+    <p:ext uri="{EFAFB233-063F-42B5-8137-9DF3F51BA10A}">
+      <p15:sldGuideLst xmlns:p15="http://schemas.microsoft.com/office/powerpoint/2012/main">
+        <p15:guide id="1" orient="horz" pos="1620">
+          <p15:clr>
+            <a:srgbClr val="A4A3A4"/>
+          </p15:clr>
+        </p15:guide>
+        <p15:guide id="2" pos="2880">
+          <p15:clr>
+            <a:srgbClr val="A4A3A4"/>
+          </p15:clr>
+        </p15:guide>
+      </p15:sldGuideLst>
+    </p:ext>
+  </p:extLst>
 </p:presentation>
 </file>
 
@@ -293,7 +311,7 @@
           <a:p>
             <a:fld id="{703731B3-FF23-43C7-A536-F75B99E85F32}" type="datetimeFigureOut">
               <a:rPr lang="zh-TW" altLang="en-US" smtClean="0"/>
-              <a:t>2019/12/22</a:t>
+              <a:t>2020/12/17</a:t>
             </a:fld>
             <a:endParaRPr lang="zh-TW" altLang="en-US"/>
           </a:p>
@@ -458,7 +476,7 @@
           <a:p>
             <a:fld id="{703731B3-FF23-43C7-A536-F75B99E85F32}" type="datetimeFigureOut">
               <a:rPr lang="zh-TW" altLang="en-US" smtClean="0"/>
-              <a:t>2019/12/22</a:t>
+              <a:t>2020/12/17</a:t>
             </a:fld>
             <a:endParaRPr lang="zh-TW" altLang="en-US"/>
           </a:p>
@@ -633,7 +651,7 @@
           <a:p>
             <a:fld id="{703731B3-FF23-43C7-A536-F75B99E85F32}" type="datetimeFigureOut">
               <a:rPr lang="zh-TW" altLang="en-US" smtClean="0"/>
-              <a:t>2019/12/22</a:t>
+              <a:t>2020/12/17</a:t>
             </a:fld>
             <a:endParaRPr lang="zh-TW" altLang="en-US"/>
           </a:p>
@@ -798,7 +816,7 @@
           <a:p>
             <a:fld id="{703731B3-FF23-43C7-A536-F75B99E85F32}" type="datetimeFigureOut">
               <a:rPr lang="zh-TW" altLang="en-US" smtClean="0"/>
-              <a:t>2019/12/22</a:t>
+              <a:t>2020/12/17</a:t>
             </a:fld>
             <a:endParaRPr lang="zh-TW" altLang="en-US"/>
           </a:p>
@@ -1039,7 +1057,7 @@
           <a:p>
             <a:fld id="{703731B3-FF23-43C7-A536-F75B99E85F32}" type="datetimeFigureOut">
               <a:rPr lang="zh-TW" altLang="en-US" smtClean="0"/>
-              <a:t>2019/12/22</a:t>
+              <a:t>2020/12/17</a:t>
             </a:fld>
             <a:endParaRPr lang="zh-TW" altLang="en-US"/>
           </a:p>
@@ -1322,7 +1340,7 @@
           <a:p>
             <a:fld id="{703731B3-FF23-43C7-A536-F75B99E85F32}" type="datetimeFigureOut">
               <a:rPr lang="zh-TW" altLang="en-US" smtClean="0"/>
-              <a:t>2019/12/22</a:t>
+              <a:t>2020/12/17</a:t>
             </a:fld>
             <a:endParaRPr lang="zh-TW" altLang="en-US"/>
           </a:p>
@@ -1739,7 +1757,7 @@
           <a:p>
             <a:fld id="{703731B3-FF23-43C7-A536-F75B99E85F32}" type="datetimeFigureOut">
               <a:rPr lang="zh-TW" altLang="en-US" smtClean="0"/>
-              <a:t>2019/12/22</a:t>
+              <a:t>2020/12/17</a:t>
             </a:fld>
             <a:endParaRPr lang="zh-TW" altLang="en-US"/>
           </a:p>
@@ -1852,7 +1870,7 @@
           <a:p>
             <a:fld id="{703731B3-FF23-43C7-A536-F75B99E85F32}" type="datetimeFigureOut">
               <a:rPr lang="zh-TW" altLang="en-US" smtClean="0"/>
-              <a:t>2019/12/22</a:t>
+              <a:t>2020/12/17</a:t>
             </a:fld>
             <a:endParaRPr lang="zh-TW" altLang="en-US"/>
           </a:p>
@@ -1942,7 +1960,7 @@
           <a:p>
             <a:fld id="{703731B3-FF23-43C7-A536-F75B99E85F32}" type="datetimeFigureOut">
               <a:rPr lang="zh-TW" altLang="en-US" smtClean="0"/>
-              <a:t>2019/12/22</a:t>
+              <a:t>2020/12/17</a:t>
             </a:fld>
             <a:endParaRPr lang="zh-TW" altLang="en-US"/>
           </a:p>
@@ -2214,7 +2232,7 @@
           <a:p>
             <a:fld id="{703731B3-FF23-43C7-A536-F75B99E85F32}" type="datetimeFigureOut">
               <a:rPr lang="zh-TW" altLang="en-US" smtClean="0"/>
-              <a:t>2019/12/22</a:t>
+              <a:t>2020/12/17</a:t>
             </a:fld>
             <a:endParaRPr lang="zh-TW" altLang="en-US"/>
           </a:p>
@@ -2466,7 +2484,7 @@
           <a:p>
             <a:fld id="{703731B3-FF23-43C7-A536-F75B99E85F32}" type="datetimeFigureOut">
               <a:rPr lang="zh-TW" altLang="en-US" smtClean="0"/>
-              <a:t>2019/12/22</a:t>
+              <a:t>2020/12/17</a:t>
             </a:fld>
             <a:endParaRPr lang="zh-TW" altLang="en-US"/>
           </a:p>
@@ -2679,7 +2697,7 @@
           <a:p>
             <a:fld id="{703731B3-FF23-43C7-A536-F75B99E85F32}" type="datetimeFigureOut">
               <a:rPr lang="zh-TW" altLang="en-US" smtClean="0"/>
-              <a:t>2019/12/22</a:t>
+              <a:t>2020/12/17</a:t>
             </a:fld>
             <a:endParaRPr lang="zh-TW" altLang="en-US"/>
           </a:p>
@@ -3059,98 +3077,75 @@
             <p:ph type="title"/>
           </p:nvPr>
         </p:nvSpPr>
-        <p:spPr/>
-        <p:txBody>
-          <a:bodyPr/>
-          <a:lstStyle/>
-          <a:p>
-            <a:r>
-              <a:rPr lang="zh-CN" altLang="en-US" dirty="0" smtClean="0"/>
-              <a:t>我要唱快樂頌</a:t>
-            </a:r>
-            <a:endParaRPr lang="zh-TW" altLang="en-US" dirty="0"/>
-          </a:p>
-        </p:txBody>
-      </p:sp>
-      <p:sp>
-        <p:nvSpPr>
-          <p:cNvPr id="5" name="內容版面配置區 4"/>
-          <p:cNvSpPr>
-            <a:spLocks noGrp="1"/>
-          </p:cNvSpPr>
-          <p:nvPr>
-            <p:ph idx="1"/>
-          </p:nvPr>
-        </p:nvSpPr>
         <p:spPr>
           <a:xfrm>
-            <a:off x="457200" y="1200150"/>
-            <a:ext cx="8229600" cy="3943349"/>
+            <a:off x="0" y="2143135"/>
+            <a:ext cx="9144000" cy="857250"/>
           </a:xfrm>
         </p:spPr>
         <p:txBody>
           <a:bodyPr>
-            <a:normAutofit/>
+            <a:noAutofit/>
           </a:bodyPr>
           <a:lstStyle/>
           <a:p>
-            <a:pPr algn="ctr">
-              <a:buNone/>
-            </a:pPr>
-            <a:r>
-              <a:rPr lang="zh-TW" altLang="en-US" sz="5400" dirty="0"/>
-              <a:t>閃</a:t>
-            </a:r>
-            <a:r>
-              <a:rPr lang="zh-TW" altLang="en-US" sz="5400" dirty="0" smtClean="0"/>
-              <a:t>星星  閃星星</a:t>
-            </a:r>
-            <a:endParaRPr lang="en-US" altLang="zh-TW" sz="5400" dirty="0" smtClean="0"/>
-          </a:p>
-          <a:p>
-            <a:pPr algn="ctr">
-              <a:buNone/>
-            </a:pPr>
-            <a:r>
-              <a:rPr lang="zh-TW" altLang="en-US" sz="5400" dirty="0" smtClean="0"/>
-              <a:t>救主</a:t>
-            </a:r>
-            <a:r>
-              <a:rPr lang="zh-TW" altLang="en-US" sz="5400" dirty="0"/>
-              <a:t>已</a:t>
-            </a:r>
-            <a:r>
-              <a:rPr lang="zh-TW" altLang="en-US" sz="5400" dirty="0" smtClean="0"/>
-              <a:t>降生</a:t>
-            </a:r>
-            <a:endParaRPr lang="en-US" altLang="zh-TW" sz="5400" dirty="0"/>
-          </a:p>
-          <a:p>
-            <a:pPr algn="ctr">
-              <a:buNone/>
-            </a:pPr>
-            <a:r>
-              <a:rPr lang="zh-TW" altLang="en-US" sz="5400" dirty="0" smtClean="0"/>
-              <a:t>聖誕節  多開心</a:t>
-            </a:r>
-            <a:endParaRPr lang="en-US" altLang="zh-TW" sz="5400" dirty="0" smtClean="0"/>
-          </a:p>
-          <a:p>
-            <a:pPr algn="ctr">
-              <a:buNone/>
-            </a:pPr>
-            <a:r>
-              <a:rPr lang="zh-TW" altLang="en-US" sz="5400" dirty="0" smtClean="0"/>
-              <a:t>萬</a:t>
-            </a:r>
-            <a:r>
-              <a:rPr lang="zh-TW" altLang="en-US" sz="5400" dirty="0"/>
-              <a:t>民同頌神恩</a:t>
-            </a:r>
+            <a:r>
+              <a:rPr lang="zh-CN" altLang="en-US" sz="5400" b="1" i="1" dirty="0" smtClean="0">
+                <a:solidFill>
+                  <a:srgbClr val="000066"/>
+                </a:solidFill>
+                <a:effectLst>
+                  <a:outerShdw blurRad="38100" dist="38100" dir="2700000" algn="tl">
+                    <a:srgbClr val="000000">
+                      <a:alpha val="43137"/>
+                    </a:srgbClr>
+                  </a:outerShdw>
+                </a:effectLst>
+                <a:latin typeface="微軟正黑體" pitchFamily="34" charset="-120"/>
+                <a:ea typeface="微軟正黑體" pitchFamily="34" charset="-120"/>
+              </a:rPr>
+              <a:t>我</a:t>
+            </a:r>
+            <a:r>
+              <a:rPr lang="zh-CN" altLang="en-US" sz="5400" b="1" i="1" dirty="0">
+                <a:solidFill>
+                  <a:srgbClr val="000066"/>
+                </a:solidFill>
+                <a:effectLst>
+                  <a:outerShdw blurRad="38100" dist="38100" dir="2700000" algn="tl">
+                    <a:srgbClr val="000000">
+                      <a:alpha val="43137"/>
+                    </a:srgbClr>
+                  </a:outerShdw>
+                </a:effectLst>
+                <a:latin typeface="微軟正黑體" pitchFamily="34" charset="-120"/>
+                <a:ea typeface="微軟正黑體" pitchFamily="34" charset="-120"/>
+              </a:rPr>
+              <a:t>要唱快樂頌</a:t>
+            </a:r>
+            <a:endParaRPr lang="en-US" sz="5400" b="1" i="1" dirty="0">
+              <a:solidFill>
+                <a:srgbClr val="000066"/>
+              </a:solidFill>
+              <a:effectLst>
+                <a:outerShdw blurRad="38100" dist="38100" dir="2700000" algn="tl">
+                  <a:srgbClr val="000000">
+                    <a:alpha val="43137"/>
+                  </a:srgbClr>
+                </a:outerShdw>
+              </a:effectLst>
+              <a:latin typeface="微軟正黑體" pitchFamily="34" charset="-120"/>
+              <a:ea typeface="微軟正黑體" pitchFamily="34" charset="-120"/>
+            </a:endParaRPr>
           </a:p>
         </p:txBody>
       </p:sp>
     </p:spTree>
+    <p:extLst>
+      <p:ext uri="{BB962C8B-B14F-4D97-AF65-F5344CB8AC3E}">
+        <p14:creationId xmlns:p14="http://schemas.microsoft.com/office/powerpoint/2010/main" val="2871349053"/>
+      </p:ext>
+    </p:extLst>
   </p:cSld>
   <p:clrMapOvr>
     <a:masterClrMapping/>
@@ -3177,29 +3172,6 @@
       </p:grpSpPr>
       <p:sp>
         <p:nvSpPr>
-          <p:cNvPr id="4" name="標題 3"/>
-          <p:cNvSpPr>
-            <a:spLocks noGrp="1"/>
-          </p:cNvSpPr>
-          <p:nvPr>
-            <p:ph type="title"/>
-          </p:nvPr>
-        </p:nvSpPr>
-        <p:spPr/>
-        <p:txBody>
-          <a:bodyPr/>
-          <a:lstStyle/>
-          <a:p>
-            <a:r>
-              <a:rPr lang="zh-CN" altLang="en-US" dirty="0" smtClean="0"/>
-              <a:t>我要唱快樂頌</a:t>
-            </a:r>
-            <a:endParaRPr lang="zh-TW" altLang="en-US" dirty="0"/>
-          </a:p>
-        </p:txBody>
-      </p:sp>
-      <p:sp>
-        <p:nvSpPr>
           <p:cNvPr id="5" name="內容版面配置區 4"/>
           <p:cNvSpPr>
             <a:spLocks noGrp="1"/>
@@ -3210,12 +3182,12 @@
         </p:nvSpPr>
         <p:spPr>
           <a:xfrm>
-            <a:off x="457200" y="1200150"/>
-            <a:ext cx="8229600" cy="3943349"/>
+            <a:off x="0" y="1563639"/>
+            <a:ext cx="9144000" cy="1803647"/>
           </a:xfrm>
         </p:spPr>
         <p:txBody>
-          <a:bodyPr>
+          <a:bodyPr anchor="ctr">
             <a:normAutofit/>
           </a:bodyPr>
           <a:lstStyle/>
@@ -3224,67 +3196,126 @@
               <a:buNone/>
             </a:pPr>
             <a:r>
-              <a:rPr lang="zh-TW" altLang="en-US" sz="5400" dirty="0"/>
-              <a:t>好</a:t>
-            </a:r>
-            <a:r>
-              <a:rPr lang="zh-TW" altLang="en-US" sz="5400" dirty="0" smtClean="0"/>
-              <a:t>開心  真開心</a:t>
-            </a:r>
-            <a:endParaRPr lang="en-US" altLang="zh-TW" sz="5400" dirty="0" smtClean="0"/>
+              <a:rPr lang="zh-TW" altLang="en-US" sz="4800" b="1" dirty="0">
+                <a:solidFill>
+                  <a:srgbClr val="002060"/>
+                </a:solidFill>
+                <a:latin typeface="Microsoft JhengHei" panose="020B0604030504040204" pitchFamily="34" charset="-120"/>
+                <a:ea typeface="Microsoft JhengHei" panose="020B0604030504040204" pitchFamily="34" charset="-120"/>
+              </a:rPr>
+              <a:t>閃星星  閃星</a:t>
+            </a:r>
+            <a:r>
+              <a:rPr lang="zh-TW" altLang="en-US" sz="4800" b="1" dirty="0">
+                <a:solidFill>
+                  <a:srgbClr val="002060"/>
+                </a:solidFill>
+                <a:latin typeface="Microsoft JhengHei" panose="020B0604030504040204" pitchFamily="34" charset="-120"/>
+                <a:ea typeface="Microsoft JhengHei" panose="020B0604030504040204" pitchFamily="34" charset="-120"/>
+              </a:rPr>
+              <a:t>星</a:t>
+            </a:r>
+            <a:r>
+              <a:rPr lang="en-US" altLang="zh-TW" sz="4800" b="1" dirty="0">
+                <a:solidFill>
+                  <a:srgbClr val="002060"/>
+                </a:solidFill>
+                <a:latin typeface="Microsoft JhengHei" panose="020B0604030504040204" pitchFamily="34" charset="-120"/>
+                <a:ea typeface="Microsoft JhengHei" panose="020B0604030504040204" pitchFamily="34" charset="-120"/>
+              </a:rPr>
+              <a:t>  </a:t>
+            </a:r>
+            <a:r>
+              <a:rPr lang="zh-TW" altLang="en-US" sz="4800" b="1" dirty="0">
+                <a:solidFill>
+                  <a:srgbClr val="002060"/>
+                </a:solidFill>
+                <a:latin typeface="Microsoft JhengHei" panose="020B0604030504040204" pitchFamily="34" charset="-120"/>
+                <a:ea typeface="Microsoft JhengHei" panose="020B0604030504040204" pitchFamily="34" charset="-120"/>
+              </a:rPr>
+              <a:t>救</a:t>
+            </a:r>
+            <a:r>
+              <a:rPr lang="zh-TW" altLang="en-US" sz="4800" b="1" dirty="0">
+                <a:solidFill>
+                  <a:srgbClr val="002060"/>
+                </a:solidFill>
+                <a:latin typeface="Microsoft JhengHei" panose="020B0604030504040204" pitchFamily="34" charset="-120"/>
+                <a:ea typeface="Microsoft JhengHei" panose="020B0604030504040204" pitchFamily="34" charset="-120"/>
+              </a:rPr>
+              <a:t>主已降生</a:t>
+            </a:r>
+            <a:endParaRPr lang="en-US" altLang="zh-TW" sz="4800" b="1" dirty="0">
+              <a:solidFill>
+                <a:srgbClr val="002060"/>
+              </a:solidFill>
+              <a:latin typeface="Microsoft JhengHei" panose="020B0604030504040204" pitchFamily="34" charset="-120"/>
+              <a:ea typeface="Microsoft JhengHei" panose="020B0604030504040204" pitchFamily="34" charset="-120"/>
+            </a:endParaRPr>
           </a:p>
           <a:p>
             <a:pPr algn="ctr">
               <a:buNone/>
             </a:pPr>
             <a:r>
-              <a:rPr lang="zh-TW" altLang="en-US" sz="5400" dirty="0" smtClean="0"/>
-              <a:t>主</a:t>
-            </a:r>
-            <a:r>
-              <a:rPr lang="zh-TW" altLang="en-US" sz="5400" dirty="0"/>
-              <a:t>給我救</a:t>
-            </a:r>
-            <a:r>
-              <a:rPr lang="zh-TW" altLang="en-US" sz="5400" dirty="0" smtClean="0"/>
-              <a:t>恩</a:t>
-            </a:r>
-            <a:endParaRPr lang="en-US" altLang="zh-TW" sz="5400" dirty="0"/>
-          </a:p>
-          <a:p>
-            <a:pPr algn="ctr">
-              <a:buNone/>
-            </a:pPr>
-            <a:r>
-              <a:rPr lang="zh-TW" altLang="en-US" sz="5400" dirty="0" smtClean="0"/>
-              <a:t>我</a:t>
-            </a:r>
-            <a:r>
-              <a:rPr lang="zh-TW" altLang="en-US" sz="5400" dirty="0"/>
-              <a:t>要</a:t>
-            </a:r>
-            <a:r>
-              <a:rPr lang="zh-TW" altLang="en-US" sz="5400" dirty="0" smtClean="0"/>
-              <a:t>唱  快樂頌</a:t>
-            </a:r>
-            <a:endParaRPr lang="en-US" altLang="zh-TW" sz="5400" dirty="0" smtClean="0"/>
-          </a:p>
-          <a:p>
-            <a:pPr algn="ctr">
-              <a:buNone/>
-            </a:pPr>
-            <a:r>
-              <a:rPr lang="zh-TW" altLang="en-US" sz="5400" dirty="0" smtClean="0"/>
-              <a:t>願</a:t>
-            </a:r>
-            <a:r>
-              <a:rPr lang="zh-TW" altLang="en-US" sz="5400" dirty="0"/>
-              <a:t>普天一起唱</a:t>
+              <a:rPr lang="zh-TW" altLang="en-US" sz="4800" b="1" dirty="0">
+                <a:solidFill>
+                  <a:srgbClr val="002060"/>
+                </a:solidFill>
+                <a:latin typeface="Microsoft JhengHei" panose="020B0604030504040204" pitchFamily="34" charset="-120"/>
+                <a:ea typeface="Microsoft JhengHei" panose="020B0604030504040204" pitchFamily="34" charset="-120"/>
+              </a:rPr>
+              <a:t>聖誕節  多開</a:t>
+            </a:r>
+            <a:r>
+              <a:rPr lang="zh-TW" altLang="en-US" sz="4800" b="1" dirty="0">
+                <a:solidFill>
+                  <a:srgbClr val="002060"/>
+                </a:solidFill>
+                <a:latin typeface="Microsoft JhengHei" panose="020B0604030504040204" pitchFamily="34" charset="-120"/>
+                <a:ea typeface="Microsoft JhengHei" panose="020B0604030504040204" pitchFamily="34" charset="-120"/>
+              </a:rPr>
+              <a:t>心</a:t>
+            </a:r>
+            <a:r>
+              <a:rPr lang="en-US" altLang="zh-TW" sz="4800" b="1" dirty="0">
+                <a:solidFill>
+                  <a:srgbClr val="002060"/>
+                </a:solidFill>
+                <a:latin typeface="Microsoft JhengHei" panose="020B0604030504040204" pitchFamily="34" charset="-120"/>
+                <a:ea typeface="Microsoft JhengHei" panose="020B0604030504040204" pitchFamily="34" charset="-120"/>
+              </a:rPr>
+              <a:t>  </a:t>
+            </a:r>
+            <a:r>
+              <a:rPr lang="zh-TW" altLang="en-US" sz="4800" b="1" dirty="0">
+                <a:solidFill>
+                  <a:srgbClr val="002060"/>
+                </a:solidFill>
+                <a:latin typeface="Microsoft JhengHei" panose="020B0604030504040204" pitchFamily="34" charset="-120"/>
+                <a:ea typeface="Microsoft JhengHei" panose="020B0604030504040204" pitchFamily="34" charset="-120"/>
+              </a:rPr>
+              <a:t>萬</a:t>
+            </a:r>
+            <a:r>
+              <a:rPr lang="zh-TW" altLang="en-US" sz="4800" b="1" dirty="0">
+                <a:solidFill>
+                  <a:srgbClr val="002060"/>
+                </a:solidFill>
+                <a:latin typeface="Microsoft JhengHei" panose="020B0604030504040204" pitchFamily="34" charset="-120"/>
+                <a:ea typeface="Microsoft JhengHei" panose="020B0604030504040204" pitchFamily="34" charset="-120"/>
+              </a:rPr>
+              <a:t>民同頌神恩</a:t>
             </a:r>
           </a:p>
         </p:txBody>
       </p:sp>
     </p:spTree>
+    <p:extLst>
+      <p:ext uri="{BB962C8B-B14F-4D97-AF65-F5344CB8AC3E}">
+        <p14:creationId xmlns:p14="http://schemas.microsoft.com/office/powerpoint/2010/main" val="3025040412"/>
+      </p:ext>
+    </p:extLst>
   </p:cSld>
   <p:clrMapOvr>
     <a:masterClrMapping/>
@@ -3311,29 +3342,6 @@
       </p:grpSpPr>
       <p:sp>
         <p:nvSpPr>
-          <p:cNvPr id="4" name="標題 3"/>
-          <p:cNvSpPr>
-            <a:spLocks noGrp="1"/>
-          </p:cNvSpPr>
-          <p:nvPr>
-            <p:ph type="title"/>
-          </p:nvPr>
-        </p:nvSpPr>
-        <p:spPr/>
-        <p:txBody>
-          <a:bodyPr/>
-          <a:lstStyle/>
-          <a:p>
-            <a:r>
-              <a:rPr lang="zh-CN" altLang="en-US" dirty="0" smtClean="0"/>
-              <a:t>我要唱快樂頌</a:t>
-            </a:r>
-            <a:endParaRPr lang="zh-TW" altLang="en-US" dirty="0"/>
-          </a:p>
-        </p:txBody>
-      </p:sp>
-      <p:sp>
-        <p:nvSpPr>
           <p:cNvPr id="5" name="內容版面配置區 4"/>
           <p:cNvSpPr>
             <a:spLocks noGrp="1"/>
@@ -3344,12 +3352,12 @@
         </p:nvSpPr>
         <p:spPr>
           <a:xfrm>
-            <a:off x="0" y="1200150"/>
-            <a:ext cx="9144000" cy="3943349"/>
+            <a:off x="0" y="1563639"/>
+            <a:ext cx="9144000" cy="1803647"/>
           </a:xfrm>
         </p:spPr>
         <p:txBody>
-          <a:bodyPr>
+          <a:bodyPr anchor="ctr">
             <a:normAutofit/>
           </a:bodyPr>
           <a:lstStyle/>
@@ -3358,52 +3366,126 @@
               <a:buNone/>
             </a:pPr>
             <a:r>
-              <a:rPr lang="zh-TW" altLang="en-US" sz="5400" dirty="0"/>
-              <a:t>神捨身</a:t>
-            </a:r>
-            <a:r>
-              <a:rPr lang="zh-TW" altLang="en-US" sz="5400" dirty="0" smtClean="0"/>
-              <a:t>愛人  來</a:t>
-            </a:r>
-            <a:r>
-              <a:rPr lang="zh-TW" altLang="en-US" sz="5400" dirty="0"/>
-              <a:t>將真愛</a:t>
-            </a:r>
-            <a:r>
-              <a:rPr lang="zh-TW" altLang="en-US" sz="5400" dirty="0" smtClean="0"/>
-              <a:t>贈</a:t>
-            </a:r>
-            <a:endParaRPr lang="en-US" altLang="zh-TW" sz="5400" dirty="0"/>
+              <a:rPr lang="zh-TW" altLang="en-US" sz="4800" b="1" dirty="0">
+                <a:solidFill>
+                  <a:srgbClr val="002060"/>
+                </a:solidFill>
+                <a:latin typeface="Microsoft JhengHei" panose="020B0604030504040204" pitchFamily="34" charset="-120"/>
+                <a:ea typeface="Microsoft JhengHei" panose="020B0604030504040204" pitchFamily="34" charset="-120"/>
+              </a:rPr>
+              <a:t>好開心  真開</a:t>
+            </a:r>
+            <a:r>
+              <a:rPr lang="zh-TW" altLang="en-US" sz="4800" b="1" dirty="0">
+                <a:solidFill>
+                  <a:srgbClr val="002060"/>
+                </a:solidFill>
+                <a:latin typeface="Microsoft JhengHei" panose="020B0604030504040204" pitchFamily="34" charset="-120"/>
+                <a:ea typeface="Microsoft JhengHei" panose="020B0604030504040204" pitchFamily="34" charset="-120"/>
+              </a:rPr>
+              <a:t>心</a:t>
+            </a:r>
+            <a:r>
+              <a:rPr lang="en-US" altLang="zh-TW" sz="4800" b="1" dirty="0">
+                <a:solidFill>
+                  <a:srgbClr val="002060"/>
+                </a:solidFill>
+                <a:latin typeface="Microsoft JhengHei" panose="020B0604030504040204" pitchFamily="34" charset="-120"/>
+                <a:ea typeface="Microsoft JhengHei" panose="020B0604030504040204" pitchFamily="34" charset="-120"/>
+              </a:rPr>
+              <a:t>  </a:t>
+            </a:r>
+            <a:r>
+              <a:rPr lang="zh-TW" altLang="en-US" sz="4800" b="1" dirty="0">
+                <a:solidFill>
+                  <a:srgbClr val="002060"/>
+                </a:solidFill>
+                <a:latin typeface="Microsoft JhengHei" panose="020B0604030504040204" pitchFamily="34" charset="-120"/>
+                <a:ea typeface="Microsoft JhengHei" panose="020B0604030504040204" pitchFamily="34" charset="-120"/>
+              </a:rPr>
+              <a:t>主</a:t>
+            </a:r>
+            <a:r>
+              <a:rPr lang="zh-TW" altLang="en-US" sz="4800" b="1" dirty="0">
+                <a:solidFill>
+                  <a:srgbClr val="002060"/>
+                </a:solidFill>
+                <a:latin typeface="Microsoft JhengHei" panose="020B0604030504040204" pitchFamily="34" charset="-120"/>
+                <a:ea typeface="Microsoft JhengHei" panose="020B0604030504040204" pitchFamily="34" charset="-120"/>
+              </a:rPr>
+              <a:t>給我救恩</a:t>
+            </a:r>
+            <a:endParaRPr lang="en-US" altLang="zh-TW" sz="4800" b="1" dirty="0">
+              <a:solidFill>
+                <a:srgbClr val="002060"/>
+              </a:solidFill>
+              <a:latin typeface="Microsoft JhengHei" panose="020B0604030504040204" pitchFamily="34" charset="-120"/>
+              <a:ea typeface="Microsoft JhengHei" panose="020B0604030504040204" pitchFamily="34" charset="-120"/>
+            </a:endParaRPr>
           </a:p>
           <a:p>
             <a:pPr algn="ctr">
               <a:buNone/>
             </a:pPr>
             <a:r>
-              <a:rPr lang="zh-TW" altLang="en-US" sz="5400" dirty="0" smtClean="0"/>
-              <a:t>耶穌</a:t>
-            </a:r>
-            <a:r>
-              <a:rPr lang="zh-TW" altLang="en-US" sz="5400" dirty="0"/>
-              <a:t>甘替</a:t>
-            </a:r>
-            <a:r>
-              <a:rPr lang="zh-TW" altLang="en-US" sz="5400" dirty="0" smtClean="0"/>
-              <a:t>罪  改寫</a:t>
-            </a:r>
-            <a:r>
-              <a:rPr lang="zh-TW" altLang="en-US" sz="5400" dirty="0"/>
-              <a:t>死與</a:t>
-            </a:r>
-            <a:r>
-              <a:rPr lang="zh-TW" altLang="en-US" sz="5400" dirty="0" smtClean="0"/>
-              <a:t>生</a:t>
-            </a:r>
-            <a:endParaRPr lang="en-US" altLang="zh-TW" sz="5400" dirty="0"/>
+              <a:rPr lang="zh-TW" altLang="en-US" sz="4800" b="1" dirty="0">
+                <a:solidFill>
+                  <a:srgbClr val="002060"/>
+                </a:solidFill>
+                <a:latin typeface="Microsoft JhengHei" panose="020B0604030504040204" pitchFamily="34" charset="-120"/>
+                <a:ea typeface="Microsoft JhengHei" panose="020B0604030504040204" pitchFamily="34" charset="-120"/>
+              </a:rPr>
+              <a:t>我要唱  快樂</a:t>
+            </a:r>
+            <a:r>
+              <a:rPr lang="zh-TW" altLang="en-US" sz="4800" b="1" dirty="0">
+                <a:solidFill>
+                  <a:srgbClr val="002060"/>
+                </a:solidFill>
+                <a:latin typeface="Microsoft JhengHei" panose="020B0604030504040204" pitchFamily="34" charset="-120"/>
+                <a:ea typeface="Microsoft JhengHei" panose="020B0604030504040204" pitchFamily="34" charset="-120"/>
+              </a:rPr>
+              <a:t>頌</a:t>
+            </a:r>
+            <a:r>
+              <a:rPr lang="en-US" altLang="zh-TW" sz="4800" b="1" dirty="0">
+                <a:solidFill>
+                  <a:srgbClr val="002060"/>
+                </a:solidFill>
+                <a:latin typeface="Microsoft JhengHei" panose="020B0604030504040204" pitchFamily="34" charset="-120"/>
+                <a:ea typeface="Microsoft JhengHei" panose="020B0604030504040204" pitchFamily="34" charset="-120"/>
+              </a:rPr>
+              <a:t>  </a:t>
+            </a:r>
+            <a:r>
+              <a:rPr lang="zh-TW" altLang="en-US" sz="4800" b="1" dirty="0">
+                <a:solidFill>
+                  <a:srgbClr val="002060"/>
+                </a:solidFill>
+                <a:latin typeface="Microsoft JhengHei" panose="020B0604030504040204" pitchFamily="34" charset="-120"/>
+                <a:ea typeface="Microsoft JhengHei" panose="020B0604030504040204" pitchFamily="34" charset="-120"/>
+              </a:rPr>
+              <a:t>願</a:t>
+            </a:r>
+            <a:r>
+              <a:rPr lang="zh-TW" altLang="en-US" sz="4800" b="1" dirty="0">
+                <a:solidFill>
+                  <a:srgbClr val="002060"/>
+                </a:solidFill>
+                <a:latin typeface="Microsoft JhengHei" panose="020B0604030504040204" pitchFamily="34" charset="-120"/>
+                <a:ea typeface="Microsoft JhengHei" panose="020B0604030504040204" pitchFamily="34" charset="-120"/>
+              </a:rPr>
+              <a:t>普天一起唱</a:t>
+            </a:r>
           </a:p>
         </p:txBody>
       </p:sp>
     </p:spTree>
+    <p:extLst>
+      <p:ext uri="{BB962C8B-B14F-4D97-AF65-F5344CB8AC3E}">
+        <p14:creationId xmlns:p14="http://schemas.microsoft.com/office/powerpoint/2010/main" val="3737896173"/>
+      </p:ext>
+    </p:extLst>
   </p:cSld>
   <p:clrMapOvr>
     <a:masterClrMapping/>
@@ -3430,29 +3512,6 @@
       </p:grpSpPr>
       <p:sp>
         <p:nvSpPr>
-          <p:cNvPr id="4" name="標題 3"/>
-          <p:cNvSpPr>
-            <a:spLocks noGrp="1"/>
-          </p:cNvSpPr>
-          <p:nvPr>
-            <p:ph type="title"/>
-          </p:nvPr>
-        </p:nvSpPr>
-        <p:spPr/>
-        <p:txBody>
-          <a:bodyPr/>
-          <a:lstStyle/>
-          <a:p>
-            <a:r>
-              <a:rPr lang="zh-CN" altLang="en-US" dirty="0" smtClean="0"/>
-              <a:t>我要唱快樂頌</a:t>
-            </a:r>
-            <a:endParaRPr lang="zh-TW" altLang="en-US" dirty="0"/>
-          </a:p>
-        </p:txBody>
-      </p:sp>
-      <p:sp>
-        <p:nvSpPr>
           <p:cNvPr id="5" name="內容版面配置區 4"/>
           <p:cNvSpPr>
             <a:spLocks noGrp="1"/>
@@ -3463,12 +3522,12 @@
         </p:nvSpPr>
         <p:spPr>
           <a:xfrm>
-            <a:off x="0" y="1200150"/>
-            <a:ext cx="9144000" cy="3943349"/>
+            <a:off x="0" y="1563639"/>
+            <a:ext cx="9144000" cy="1803647"/>
           </a:xfrm>
         </p:spPr>
         <p:txBody>
-          <a:bodyPr>
+          <a:bodyPr anchor="ctr">
             <a:normAutofit/>
           </a:bodyPr>
           <a:lstStyle/>
@@ -3477,70 +3536,53 @@
               <a:buNone/>
             </a:pPr>
             <a:r>
-              <a:rPr lang="zh-TW" altLang="en-US" sz="5400" dirty="0" smtClean="0"/>
-              <a:t>神</a:t>
-            </a:r>
-            <a:r>
-              <a:rPr lang="zh-TW" altLang="en-US" sz="5400" dirty="0"/>
-              <a:t>加添</a:t>
-            </a:r>
-            <a:r>
-              <a:rPr lang="zh-TW" altLang="en-US" sz="5400" dirty="0" smtClean="0"/>
-              <a:t>世人  平安</a:t>
-            </a:r>
-            <a:r>
-              <a:rPr lang="zh-TW" altLang="en-US" sz="5400" dirty="0"/>
-              <a:t>加</a:t>
-            </a:r>
-            <a:r>
-              <a:rPr lang="zh-TW" altLang="en-US" sz="5400" dirty="0" smtClean="0"/>
-              <a:t>喜樂</a:t>
-            </a:r>
-            <a:endParaRPr lang="en-US" altLang="zh-TW" sz="5400" dirty="0"/>
+              <a:rPr lang="zh-TW" altLang="en-US" sz="4800" b="1" dirty="0">
+                <a:solidFill>
+                  <a:srgbClr val="002060"/>
+                </a:solidFill>
+                <a:latin typeface="Microsoft JhengHei" panose="020B0604030504040204" pitchFamily="34" charset="-120"/>
+                <a:ea typeface="Microsoft JhengHei" panose="020B0604030504040204" pitchFamily="34" charset="-120"/>
+              </a:rPr>
+              <a:t>神捨身愛人  來將真愛贈</a:t>
+            </a:r>
+            <a:endParaRPr lang="en-US" altLang="zh-TW" sz="4800" b="1" dirty="0">
+              <a:solidFill>
+                <a:srgbClr val="002060"/>
+              </a:solidFill>
+              <a:latin typeface="Microsoft JhengHei" panose="020B0604030504040204" pitchFamily="34" charset="-120"/>
+              <a:ea typeface="Microsoft JhengHei" panose="020B0604030504040204" pitchFamily="34" charset="-120"/>
+            </a:endParaRPr>
           </a:p>
           <a:p>
             <a:pPr algn="ctr">
               <a:buNone/>
             </a:pPr>
             <a:r>
-              <a:rPr lang="zh-TW" altLang="en-US" sz="5400" dirty="0" smtClean="0"/>
-              <a:t>離開</a:t>
-            </a:r>
-            <a:r>
-              <a:rPr lang="zh-TW" altLang="en-US" sz="5400" dirty="0"/>
-              <a:t>黑暗無有</a:t>
-            </a:r>
-            <a:r>
-              <a:rPr lang="zh-TW" altLang="en-US" sz="5400" dirty="0" smtClean="0"/>
-              <a:t>怕</a:t>
-            </a:r>
-            <a:endParaRPr lang="en-US" altLang="zh-TW" sz="5400" dirty="0"/>
-          </a:p>
-          <a:p>
-            <a:pPr algn="ctr">
-              <a:buNone/>
-            </a:pPr>
-            <a:r>
-              <a:rPr lang="zh-TW" altLang="en-US" sz="5400" dirty="0" smtClean="0"/>
-              <a:t>變</a:t>
-            </a:r>
-            <a:r>
-              <a:rPr lang="zh-TW" altLang="en-US" sz="5400" dirty="0"/>
-              <a:t>輕鬆快樂</a:t>
-            </a:r>
-            <a:r>
-              <a:rPr lang="zh-TW" altLang="en-US" sz="5400" dirty="0" smtClean="0"/>
-              <a:t>人  </a:t>
-            </a:r>
-            <a:r>
-              <a:rPr lang="en-US" altLang="zh-TW" sz="5400" dirty="0" smtClean="0"/>
-              <a:t>Hey</a:t>
-            </a:r>
-            <a:endParaRPr lang="zh-TW" altLang="en-US" sz="5400" dirty="0"/>
+              <a:rPr lang="zh-TW" altLang="en-US" sz="4800" b="1" dirty="0">
+                <a:solidFill>
+                  <a:srgbClr val="002060"/>
+                </a:solidFill>
+                <a:latin typeface="Microsoft JhengHei" panose="020B0604030504040204" pitchFamily="34" charset="-120"/>
+                <a:ea typeface="Microsoft JhengHei" panose="020B0604030504040204" pitchFamily="34" charset="-120"/>
+              </a:rPr>
+              <a:t>耶穌甘替罪  改寫死與生</a:t>
+            </a:r>
+            <a:endParaRPr lang="en-US" altLang="zh-TW" sz="4800" b="1" dirty="0">
+              <a:solidFill>
+                <a:srgbClr val="002060"/>
+              </a:solidFill>
+              <a:latin typeface="Microsoft JhengHei" panose="020B0604030504040204" pitchFamily="34" charset="-120"/>
+              <a:ea typeface="Microsoft JhengHei" panose="020B0604030504040204" pitchFamily="34" charset="-120"/>
+            </a:endParaRPr>
           </a:p>
         </p:txBody>
       </p:sp>
     </p:spTree>
+    <p:extLst>
+      <p:ext uri="{BB962C8B-B14F-4D97-AF65-F5344CB8AC3E}">
+        <p14:creationId xmlns:p14="http://schemas.microsoft.com/office/powerpoint/2010/main" val="737955511"/>
+      </p:ext>
+    </p:extLst>
   </p:cSld>
   <p:clrMapOvr>
     <a:masterClrMapping/>
@@ -3567,29 +3609,6 @@
       </p:grpSpPr>
       <p:sp>
         <p:nvSpPr>
-          <p:cNvPr id="4" name="標題 3"/>
-          <p:cNvSpPr>
-            <a:spLocks noGrp="1"/>
-          </p:cNvSpPr>
-          <p:nvPr>
-            <p:ph type="title"/>
-          </p:nvPr>
-        </p:nvSpPr>
-        <p:spPr/>
-        <p:txBody>
-          <a:bodyPr/>
-          <a:lstStyle/>
-          <a:p>
-            <a:r>
-              <a:rPr lang="zh-CN" altLang="en-US" dirty="0" smtClean="0"/>
-              <a:t>我要唱快樂頌</a:t>
-            </a:r>
-            <a:endParaRPr lang="zh-TW" altLang="en-US" dirty="0"/>
-          </a:p>
-        </p:txBody>
-      </p:sp>
-      <p:sp>
-        <p:nvSpPr>
           <p:cNvPr id="5" name="內容版面配置區 4"/>
           <p:cNvSpPr>
             <a:spLocks noGrp="1"/>
@@ -3600,12 +3619,12 @@
         </p:nvSpPr>
         <p:spPr>
           <a:xfrm>
-            <a:off x="457200" y="1200150"/>
-            <a:ext cx="8229600" cy="3943349"/>
+            <a:off x="0" y="1563639"/>
+            <a:ext cx="9144000" cy="1803647"/>
           </a:xfrm>
         </p:spPr>
         <p:txBody>
-          <a:bodyPr>
+          <a:bodyPr anchor="ctr">
             <a:normAutofit/>
           </a:bodyPr>
           <a:lstStyle/>
@@ -3614,59 +3633,53 @@
               <a:buNone/>
             </a:pPr>
             <a:r>
-              <a:rPr lang="zh-TW" altLang="en-US" sz="5400" dirty="0"/>
-              <a:t>閃</a:t>
-            </a:r>
-            <a:r>
-              <a:rPr lang="zh-TW" altLang="en-US" sz="5400" dirty="0" smtClean="0"/>
-              <a:t>星星  閃星星</a:t>
-            </a:r>
-            <a:endParaRPr lang="en-US" altLang="zh-TW" sz="5400" dirty="0" smtClean="0"/>
+              <a:rPr lang="zh-TW" altLang="en-US" sz="4800" b="1" dirty="0">
+                <a:solidFill>
+                  <a:srgbClr val="002060"/>
+                </a:solidFill>
+                <a:latin typeface="Microsoft JhengHei" panose="020B0604030504040204" pitchFamily="34" charset="-120"/>
+                <a:ea typeface="Microsoft JhengHei" panose="020B0604030504040204" pitchFamily="34" charset="-120"/>
+              </a:rPr>
+              <a:t>神加添世人  平安加喜樂</a:t>
+            </a:r>
+            <a:endParaRPr lang="en-US" altLang="zh-TW" sz="4800" b="1" dirty="0">
+              <a:solidFill>
+                <a:srgbClr val="002060"/>
+              </a:solidFill>
+              <a:latin typeface="Microsoft JhengHei" panose="020B0604030504040204" pitchFamily="34" charset="-120"/>
+              <a:ea typeface="Microsoft JhengHei" panose="020B0604030504040204" pitchFamily="34" charset="-120"/>
+            </a:endParaRPr>
           </a:p>
           <a:p>
             <a:pPr algn="ctr">
               <a:buNone/>
             </a:pPr>
             <a:r>
-              <a:rPr lang="zh-TW" altLang="en-US" sz="5400" dirty="0" smtClean="0"/>
-              <a:t>救主</a:t>
-            </a:r>
-            <a:r>
-              <a:rPr lang="zh-TW" altLang="en-US" sz="5400" dirty="0"/>
-              <a:t>已</a:t>
-            </a:r>
-            <a:r>
-              <a:rPr lang="zh-TW" altLang="en-US" sz="5400" dirty="0" smtClean="0"/>
-              <a:t>降生</a:t>
-            </a:r>
-            <a:endParaRPr lang="en-US" altLang="zh-TW" sz="5400" dirty="0"/>
-          </a:p>
-          <a:p>
-            <a:pPr algn="ctr">
-              <a:buNone/>
-            </a:pPr>
-            <a:r>
-              <a:rPr lang="zh-TW" altLang="en-US" sz="5400" dirty="0" smtClean="0"/>
-              <a:t>聖誕節  多開心</a:t>
-            </a:r>
-            <a:endParaRPr lang="en-US" altLang="zh-TW" sz="5400" dirty="0" smtClean="0"/>
-          </a:p>
-          <a:p>
-            <a:pPr algn="ctr">
-              <a:buNone/>
-            </a:pPr>
-            <a:r>
-              <a:rPr lang="zh-TW" altLang="en-US" sz="5400" dirty="0" smtClean="0"/>
-              <a:t>萬</a:t>
-            </a:r>
-            <a:r>
-              <a:rPr lang="zh-TW" altLang="en-US" sz="5400" dirty="0"/>
-              <a:t>民同頌神恩</a:t>
-            </a:r>
+              <a:rPr lang="zh-TW" altLang="en-US" sz="4800" b="1" dirty="0">
+                <a:solidFill>
+                  <a:srgbClr val="002060"/>
+                </a:solidFill>
+                <a:latin typeface="Microsoft JhengHei" panose="020B0604030504040204" pitchFamily="34" charset="-120"/>
+                <a:ea typeface="Microsoft JhengHei" panose="020B0604030504040204" pitchFamily="34" charset="-120"/>
+              </a:rPr>
+              <a:t>離開黑暗無有怕</a:t>
+            </a:r>
+            <a:endParaRPr lang="en-US" altLang="zh-TW" sz="4800" b="1" dirty="0">
+              <a:solidFill>
+                <a:srgbClr val="002060"/>
+              </a:solidFill>
+              <a:latin typeface="Microsoft JhengHei" panose="020B0604030504040204" pitchFamily="34" charset="-120"/>
+              <a:ea typeface="Microsoft JhengHei" panose="020B0604030504040204" pitchFamily="34" charset="-120"/>
+            </a:endParaRPr>
           </a:p>
         </p:txBody>
       </p:sp>
     </p:spTree>
+    <p:extLst>
+      <p:ext uri="{BB962C8B-B14F-4D97-AF65-F5344CB8AC3E}">
+        <p14:creationId xmlns:p14="http://schemas.microsoft.com/office/powerpoint/2010/main" val="2162812032"/>
+      </p:ext>
+    </p:extLst>
   </p:cSld>
   <p:clrMapOvr>
     <a:masterClrMapping/>
@@ -3693,29 +3706,6 @@
       </p:grpSpPr>
       <p:sp>
         <p:nvSpPr>
-          <p:cNvPr id="4" name="標題 3"/>
-          <p:cNvSpPr>
-            <a:spLocks noGrp="1"/>
-          </p:cNvSpPr>
-          <p:nvPr>
-            <p:ph type="title"/>
-          </p:nvPr>
-        </p:nvSpPr>
-        <p:spPr/>
-        <p:txBody>
-          <a:bodyPr/>
-          <a:lstStyle/>
-          <a:p>
-            <a:r>
-              <a:rPr lang="zh-CN" altLang="en-US" dirty="0" smtClean="0"/>
-              <a:t>我要唱快樂頌</a:t>
-            </a:r>
-            <a:endParaRPr lang="zh-TW" altLang="en-US" dirty="0"/>
-          </a:p>
-        </p:txBody>
-      </p:sp>
-      <p:sp>
-        <p:nvSpPr>
           <p:cNvPr id="5" name="內容版面配置區 4"/>
           <p:cNvSpPr>
             <a:spLocks noGrp="1"/>
@@ -3726,12 +3716,12 @@
         </p:nvSpPr>
         <p:spPr>
           <a:xfrm>
-            <a:off x="457200" y="1200150"/>
-            <a:ext cx="8229600" cy="3943349"/>
+            <a:off x="0" y="1563639"/>
+            <a:ext cx="9144000" cy="1803647"/>
           </a:xfrm>
         </p:spPr>
         <p:txBody>
-          <a:bodyPr>
+          <a:bodyPr anchor="ctr">
             <a:normAutofit/>
           </a:bodyPr>
           <a:lstStyle/>
@@ -3740,67 +3730,401 @@
               <a:buNone/>
             </a:pPr>
             <a:r>
-              <a:rPr lang="zh-TW" altLang="en-US" sz="5400" dirty="0"/>
-              <a:t>好</a:t>
-            </a:r>
-            <a:r>
-              <a:rPr lang="zh-TW" altLang="en-US" sz="5400" dirty="0" smtClean="0"/>
-              <a:t>開心  真開心</a:t>
-            </a:r>
-            <a:endParaRPr lang="en-US" altLang="zh-TW" sz="5400" dirty="0" smtClean="0"/>
-          </a:p>
+              <a:rPr lang="zh-TW" altLang="en-US" sz="4800" b="1" dirty="0">
+                <a:solidFill>
+                  <a:srgbClr val="002060"/>
+                </a:solidFill>
+                <a:latin typeface="Microsoft JhengHei" panose="020B0604030504040204" pitchFamily="34" charset="-120"/>
+                <a:ea typeface="Microsoft JhengHei" panose="020B0604030504040204" pitchFamily="34" charset="-120"/>
+              </a:rPr>
+              <a:t>變輕鬆快樂人  </a:t>
+            </a:r>
+            <a:r>
+              <a:rPr lang="en-US" altLang="zh-TW" sz="4800" b="1" dirty="0">
+                <a:solidFill>
+                  <a:srgbClr val="002060"/>
+                </a:solidFill>
+                <a:latin typeface="Microsoft JhengHei" panose="020B0604030504040204" pitchFamily="34" charset="-120"/>
+                <a:ea typeface="Microsoft JhengHei" panose="020B0604030504040204" pitchFamily="34" charset="-120"/>
+              </a:rPr>
+              <a:t>Hey</a:t>
+            </a:r>
+            <a:endParaRPr lang="zh-TW" altLang="en-US" sz="4800" b="1" dirty="0">
+              <a:solidFill>
+                <a:srgbClr val="002060"/>
+              </a:solidFill>
+              <a:latin typeface="Microsoft JhengHei" panose="020B0604030504040204" pitchFamily="34" charset="-120"/>
+              <a:ea typeface="Microsoft JhengHei" panose="020B0604030504040204" pitchFamily="34" charset="-120"/>
+            </a:endParaRPr>
+          </a:p>
+        </p:txBody>
+      </p:sp>
+    </p:spTree>
+    <p:extLst>
+      <p:ext uri="{BB962C8B-B14F-4D97-AF65-F5344CB8AC3E}">
+        <p14:creationId xmlns:p14="http://schemas.microsoft.com/office/powerpoint/2010/main" val="309385468"/>
+      </p:ext>
+    </p:extLst>
+  </p:cSld>
+  <p:clrMapOvr>
+    <a:masterClrMapping/>
+  </p:clrMapOvr>
+</p:sld>
+</file>
+
+<file path=ppt/slides/slide7.xml><?xml version="1.0" encoding="utf-8"?>
+<p:sld xmlns:a="http://schemas.openxmlformats.org/drawingml/2006/main" xmlns:r="http://schemas.openxmlformats.org/officeDocument/2006/relationships" xmlns:p="http://schemas.openxmlformats.org/presentationml/2006/main">
+  <p:cSld>
+    <p:spTree>
+      <p:nvGrpSpPr>
+        <p:cNvPr id="1" name=""/>
+        <p:cNvGrpSpPr/>
+        <p:nvPr/>
+      </p:nvGrpSpPr>
+      <p:grpSpPr>
+        <a:xfrm>
+          <a:off x="0" y="0"/>
+          <a:ext cx="0" cy="0"/>
+          <a:chOff x="0" y="0"/>
+          <a:chExt cx="0" cy="0"/>
+        </a:xfrm>
+      </p:grpSpPr>
+      <p:sp>
+        <p:nvSpPr>
+          <p:cNvPr id="5" name="內容版面配置區 4"/>
+          <p:cNvSpPr>
+            <a:spLocks noGrp="1"/>
+          </p:cNvSpPr>
+          <p:nvPr>
+            <p:ph idx="1"/>
+          </p:nvPr>
+        </p:nvSpPr>
+        <p:spPr>
+          <a:xfrm>
+            <a:off x="0" y="1563639"/>
+            <a:ext cx="9144000" cy="1803647"/>
+          </a:xfrm>
+        </p:spPr>
+        <p:txBody>
+          <a:bodyPr anchor="ctr">
+            <a:normAutofit/>
+          </a:bodyPr>
+          <a:lstStyle/>
           <a:p>
             <a:pPr algn="ctr">
               <a:buNone/>
             </a:pPr>
             <a:r>
-              <a:rPr lang="zh-TW" altLang="en-US" sz="5400" dirty="0" smtClean="0"/>
+              <a:rPr lang="zh-TW" altLang="en-US" sz="4800" b="1" dirty="0">
+                <a:solidFill>
+                  <a:srgbClr val="002060"/>
+                </a:solidFill>
+                <a:latin typeface="Microsoft JhengHei" panose="020B0604030504040204" pitchFamily="34" charset="-120"/>
+                <a:ea typeface="Microsoft JhengHei" panose="020B0604030504040204" pitchFamily="34" charset="-120"/>
+              </a:rPr>
+              <a:t>閃星星  閃星</a:t>
+            </a:r>
+            <a:r>
+              <a:rPr lang="zh-TW" altLang="en-US" sz="4800" b="1" dirty="0">
+                <a:solidFill>
+                  <a:srgbClr val="002060"/>
+                </a:solidFill>
+                <a:latin typeface="Microsoft JhengHei" panose="020B0604030504040204" pitchFamily="34" charset="-120"/>
+                <a:ea typeface="Microsoft JhengHei" panose="020B0604030504040204" pitchFamily="34" charset="-120"/>
+              </a:rPr>
+              <a:t>星</a:t>
+            </a:r>
+            <a:r>
+              <a:rPr lang="en-US" altLang="zh-TW" sz="4800" b="1" dirty="0">
+                <a:solidFill>
+                  <a:srgbClr val="002060"/>
+                </a:solidFill>
+                <a:latin typeface="Microsoft JhengHei" panose="020B0604030504040204" pitchFamily="34" charset="-120"/>
+                <a:ea typeface="Microsoft JhengHei" panose="020B0604030504040204" pitchFamily="34" charset="-120"/>
+              </a:rPr>
+              <a:t>  </a:t>
+            </a:r>
+            <a:r>
+              <a:rPr lang="zh-TW" altLang="en-US" sz="4800" b="1" dirty="0">
+                <a:solidFill>
+                  <a:srgbClr val="002060"/>
+                </a:solidFill>
+                <a:latin typeface="Microsoft JhengHei" panose="020B0604030504040204" pitchFamily="34" charset="-120"/>
+                <a:ea typeface="Microsoft JhengHei" panose="020B0604030504040204" pitchFamily="34" charset="-120"/>
+              </a:rPr>
+              <a:t>救</a:t>
+            </a:r>
+            <a:r>
+              <a:rPr lang="zh-TW" altLang="en-US" sz="4800" b="1" dirty="0">
+                <a:solidFill>
+                  <a:srgbClr val="002060"/>
+                </a:solidFill>
+                <a:latin typeface="Microsoft JhengHei" panose="020B0604030504040204" pitchFamily="34" charset="-120"/>
+                <a:ea typeface="Microsoft JhengHei" panose="020B0604030504040204" pitchFamily="34" charset="-120"/>
+              </a:rPr>
+              <a:t>主已降生</a:t>
+            </a:r>
+            <a:endParaRPr lang="en-US" altLang="zh-TW" sz="4800" b="1" dirty="0">
+              <a:solidFill>
+                <a:srgbClr val="002060"/>
+              </a:solidFill>
+              <a:latin typeface="Microsoft JhengHei" panose="020B0604030504040204" pitchFamily="34" charset="-120"/>
+              <a:ea typeface="Microsoft JhengHei" panose="020B0604030504040204" pitchFamily="34" charset="-120"/>
+            </a:endParaRPr>
+          </a:p>
+          <a:p>
+            <a:pPr algn="ctr">
+              <a:buNone/>
+            </a:pPr>
+            <a:r>
+              <a:rPr lang="zh-TW" altLang="en-US" sz="4800" b="1" dirty="0">
+                <a:solidFill>
+                  <a:srgbClr val="002060"/>
+                </a:solidFill>
+                <a:latin typeface="Microsoft JhengHei" panose="020B0604030504040204" pitchFamily="34" charset="-120"/>
+                <a:ea typeface="Microsoft JhengHei" panose="020B0604030504040204" pitchFamily="34" charset="-120"/>
+              </a:rPr>
+              <a:t>聖誕節  多開</a:t>
+            </a:r>
+            <a:r>
+              <a:rPr lang="zh-TW" altLang="en-US" sz="4800" b="1" dirty="0">
+                <a:solidFill>
+                  <a:srgbClr val="002060"/>
+                </a:solidFill>
+                <a:latin typeface="Microsoft JhengHei" panose="020B0604030504040204" pitchFamily="34" charset="-120"/>
+                <a:ea typeface="Microsoft JhengHei" panose="020B0604030504040204" pitchFamily="34" charset="-120"/>
+              </a:rPr>
+              <a:t>心</a:t>
+            </a:r>
+            <a:r>
+              <a:rPr lang="en-US" altLang="zh-TW" sz="4800" b="1" dirty="0">
+                <a:solidFill>
+                  <a:srgbClr val="002060"/>
+                </a:solidFill>
+                <a:latin typeface="Microsoft JhengHei" panose="020B0604030504040204" pitchFamily="34" charset="-120"/>
+                <a:ea typeface="Microsoft JhengHei" panose="020B0604030504040204" pitchFamily="34" charset="-120"/>
+              </a:rPr>
+              <a:t>  </a:t>
+            </a:r>
+            <a:r>
+              <a:rPr lang="zh-TW" altLang="en-US" sz="4800" b="1" dirty="0">
+                <a:solidFill>
+                  <a:srgbClr val="002060"/>
+                </a:solidFill>
+                <a:latin typeface="Microsoft JhengHei" panose="020B0604030504040204" pitchFamily="34" charset="-120"/>
+                <a:ea typeface="Microsoft JhengHei" panose="020B0604030504040204" pitchFamily="34" charset="-120"/>
+              </a:rPr>
+              <a:t>萬</a:t>
+            </a:r>
+            <a:r>
+              <a:rPr lang="zh-TW" altLang="en-US" sz="4800" b="1" dirty="0">
+                <a:solidFill>
+                  <a:srgbClr val="002060"/>
+                </a:solidFill>
+                <a:latin typeface="Microsoft JhengHei" panose="020B0604030504040204" pitchFamily="34" charset="-120"/>
+                <a:ea typeface="Microsoft JhengHei" panose="020B0604030504040204" pitchFamily="34" charset="-120"/>
+              </a:rPr>
+              <a:t>民同頌神恩</a:t>
+            </a:r>
+          </a:p>
+        </p:txBody>
+      </p:sp>
+    </p:spTree>
+    <p:extLst>
+      <p:ext uri="{BB962C8B-B14F-4D97-AF65-F5344CB8AC3E}">
+        <p14:creationId xmlns:p14="http://schemas.microsoft.com/office/powerpoint/2010/main" val="4245456031"/>
+      </p:ext>
+    </p:extLst>
+  </p:cSld>
+  <p:clrMapOvr>
+    <a:masterClrMapping/>
+  </p:clrMapOvr>
+</p:sld>
+</file>
+
+<file path=ppt/slides/slide8.xml><?xml version="1.0" encoding="utf-8"?>
+<p:sld xmlns:a="http://schemas.openxmlformats.org/drawingml/2006/main" xmlns:r="http://schemas.openxmlformats.org/officeDocument/2006/relationships" xmlns:p="http://schemas.openxmlformats.org/presentationml/2006/main">
+  <p:cSld>
+    <p:spTree>
+      <p:nvGrpSpPr>
+        <p:cNvPr id="1" name=""/>
+        <p:cNvGrpSpPr/>
+        <p:nvPr/>
+      </p:nvGrpSpPr>
+      <p:grpSpPr>
+        <a:xfrm>
+          <a:off x="0" y="0"/>
+          <a:ext cx="0" cy="0"/>
+          <a:chOff x="0" y="0"/>
+          <a:chExt cx="0" cy="0"/>
+        </a:xfrm>
+      </p:grpSpPr>
+      <p:sp>
+        <p:nvSpPr>
+          <p:cNvPr id="5" name="內容版面配置區 4"/>
+          <p:cNvSpPr>
+            <a:spLocks noGrp="1"/>
+          </p:cNvSpPr>
+          <p:nvPr>
+            <p:ph idx="1"/>
+          </p:nvPr>
+        </p:nvSpPr>
+        <p:spPr>
+          <a:xfrm>
+            <a:off x="0" y="1563639"/>
+            <a:ext cx="9144000" cy="1803647"/>
+          </a:xfrm>
+        </p:spPr>
+        <p:txBody>
+          <a:bodyPr anchor="ctr">
+            <a:normAutofit/>
+          </a:bodyPr>
+          <a:lstStyle/>
+          <a:p>
+            <a:pPr algn="ctr">
+              <a:buNone/>
+            </a:pPr>
+            <a:r>
+              <a:rPr lang="zh-TW" altLang="en-US" sz="4800" b="1" dirty="0">
+                <a:solidFill>
+                  <a:srgbClr val="002060"/>
+                </a:solidFill>
+                <a:latin typeface="Microsoft JhengHei" panose="020B0604030504040204" pitchFamily="34" charset="-120"/>
+                <a:ea typeface="Microsoft JhengHei" panose="020B0604030504040204" pitchFamily="34" charset="-120"/>
+              </a:rPr>
+              <a:t>好開心  真開</a:t>
+            </a:r>
+            <a:r>
+              <a:rPr lang="zh-TW" altLang="en-US" sz="4800" b="1" dirty="0">
+                <a:solidFill>
+                  <a:srgbClr val="002060"/>
+                </a:solidFill>
+                <a:latin typeface="Microsoft JhengHei" panose="020B0604030504040204" pitchFamily="34" charset="-120"/>
+                <a:ea typeface="Microsoft JhengHei" panose="020B0604030504040204" pitchFamily="34" charset="-120"/>
+              </a:rPr>
+              <a:t>心</a:t>
+            </a:r>
+            <a:r>
+              <a:rPr lang="en-US" altLang="zh-TW" sz="4800" b="1" dirty="0">
+                <a:solidFill>
+                  <a:srgbClr val="002060"/>
+                </a:solidFill>
+                <a:latin typeface="Microsoft JhengHei" panose="020B0604030504040204" pitchFamily="34" charset="-120"/>
+                <a:ea typeface="Microsoft JhengHei" panose="020B0604030504040204" pitchFamily="34" charset="-120"/>
+              </a:rPr>
+              <a:t>  </a:t>
+            </a:r>
+            <a:r>
+              <a:rPr lang="zh-TW" altLang="en-US" sz="4800" b="1" dirty="0">
+                <a:solidFill>
+                  <a:srgbClr val="002060"/>
+                </a:solidFill>
+                <a:latin typeface="Microsoft JhengHei" panose="020B0604030504040204" pitchFamily="34" charset="-120"/>
+                <a:ea typeface="Microsoft JhengHei" panose="020B0604030504040204" pitchFamily="34" charset="-120"/>
+              </a:rPr>
               <a:t>主</a:t>
             </a:r>
             <a:r>
-              <a:rPr lang="zh-TW" altLang="en-US" sz="5400" dirty="0"/>
-              <a:t>恩滿我</a:t>
-            </a:r>
-            <a:r>
-              <a:rPr lang="zh-TW" altLang="en-US" sz="5400" dirty="0" smtClean="0"/>
-              <a:t>心</a:t>
-            </a:r>
-            <a:endParaRPr lang="en-US" altLang="zh-TW" sz="5400" dirty="0"/>
+              <a:rPr lang="zh-TW" altLang="en-US" sz="4800" b="1" dirty="0">
+                <a:solidFill>
+                  <a:srgbClr val="002060"/>
+                </a:solidFill>
+                <a:latin typeface="Microsoft JhengHei" panose="020B0604030504040204" pitchFamily="34" charset="-120"/>
+                <a:ea typeface="Microsoft JhengHei" panose="020B0604030504040204" pitchFamily="34" charset="-120"/>
+              </a:rPr>
+              <a:t>恩滿我心</a:t>
+            </a:r>
+            <a:endParaRPr lang="en-US" altLang="zh-TW" sz="4800" b="1" dirty="0">
+              <a:solidFill>
+                <a:srgbClr val="002060"/>
+              </a:solidFill>
+              <a:latin typeface="Microsoft JhengHei" panose="020B0604030504040204" pitchFamily="34" charset="-120"/>
+              <a:ea typeface="Microsoft JhengHei" panose="020B0604030504040204" pitchFamily="34" charset="-120"/>
+            </a:endParaRPr>
           </a:p>
           <a:p>
             <a:pPr algn="ctr">
               <a:buNone/>
             </a:pPr>
             <a:r>
-              <a:rPr lang="zh-TW" altLang="en-US" sz="5400" dirty="0" smtClean="0"/>
-              <a:t>你</a:t>
-            </a:r>
-            <a:r>
-              <a:rPr lang="zh-TW" altLang="en-US" sz="5400" dirty="0"/>
-              <a:t>與</a:t>
-            </a:r>
-            <a:r>
-              <a:rPr lang="zh-TW" altLang="en-US" sz="5400" dirty="0" smtClean="0"/>
-              <a:t>我   快樂頌</a:t>
-            </a:r>
-            <a:endParaRPr lang="en-US" altLang="zh-TW" sz="5400" dirty="0" smtClean="0"/>
-          </a:p>
-          <a:p>
-            <a:pPr algn="ctr">
-              <a:buNone/>
-            </a:pPr>
-            <a:r>
-              <a:rPr lang="zh-TW" altLang="en-US" sz="5400" dirty="0" smtClean="0"/>
+              <a:rPr lang="zh-TW" altLang="en-US" sz="4800" b="1" dirty="0">
+                <a:solidFill>
+                  <a:srgbClr val="002060"/>
+                </a:solidFill>
+                <a:latin typeface="Microsoft JhengHei" panose="020B0604030504040204" pitchFamily="34" charset="-120"/>
+                <a:ea typeface="Microsoft JhengHei" panose="020B0604030504040204" pitchFamily="34" charset="-120"/>
+              </a:rPr>
+              <a:t>你與我  </a:t>
+            </a:r>
+            <a:r>
+              <a:rPr lang="zh-TW" altLang="en-US" sz="4800" b="1" dirty="0" smtClean="0">
+                <a:solidFill>
+                  <a:srgbClr val="002060"/>
+                </a:solidFill>
+                <a:latin typeface="Microsoft JhengHei" panose="020B0604030504040204" pitchFamily="34" charset="-120"/>
+                <a:ea typeface="Microsoft JhengHei" panose="020B0604030504040204" pitchFamily="34" charset="-120"/>
+              </a:rPr>
+              <a:t>快</a:t>
+            </a:r>
+            <a:r>
+              <a:rPr lang="zh-TW" altLang="en-US" sz="4800" b="1" dirty="0">
+                <a:solidFill>
+                  <a:srgbClr val="002060"/>
+                </a:solidFill>
+                <a:latin typeface="Microsoft JhengHei" panose="020B0604030504040204" pitchFamily="34" charset="-120"/>
+                <a:ea typeface="Microsoft JhengHei" panose="020B0604030504040204" pitchFamily="34" charset="-120"/>
+              </a:rPr>
+              <a:t>樂</a:t>
+            </a:r>
+            <a:r>
+              <a:rPr lang="zh-TW" altLang="en-US" sz="4800" b="1" dirty="0">
+                <a:solidFill>
+                  <a:srgbClr val="002060"/>
+                </a:solidFill>
+                <a:latin typeface="Microsoft JhengHei" panose="020B0604030504040204" pitchFamily="34" charset="-120"/>
+                <a:ea typeface="Microsoft JhengHei" panose="020B0604030504040204" pitchFamily="34" charset="-120"/>
+              </a:rPr>
+              <a:t>頌</a:t>
+            </a:r>
+            <a:r>
+              <a:rPr lang="en-US" altLang="zh-TW" sz="4800" b="1" dirty="0">
+                <a:solidFill>
+                  <a:srgbClr val="002060"/>
+                </a:solidFill>
+                <a:latin typeface="Microsoft JhengHei" panose="020B0604030504040204" pitchFamily="34" charset="-120"/>
+                <a:ea typeface="Microsoft JhengHei" panose="020B0604030504040204" pitchFamily="34" charset="-120"/>
+              </a:rPr>
+              <a:t>  </a:t>
+            </a:r>
+            <a:r>
+              <a:rPr lang="zh-TW" altLang="en-US" sz="4800" b="1" dirty="0">
+                <a:solidFill>
+                  <a:srgbClr val="002060"/>
+                </a:solidFill>
+                <a:latin typeface="Microsoft JhengHei" panose="020B0604030504040204" pitchFamily="34" charset="-120"/>
+                <a:ea typeface="Microsoft JhengHei" panose="020B0604030504040204" pitchFamily="34" charset="-120"/>
+              </a:rPr>
               <a:t>願</a:t>
             </a:r>
             <a:r>
-              <a:rPr lang="zh-TW" altLang="en-US" sz="5400" dirty="0"/>
+              <a:rPr lang="zh-TW" altLang="en-US" sz="4800" b="1" dirty="0">
+                <a:solidFill>
+                  <a:srgbClr val="002060"/>
+                </a:solidFill>
+                <a:latin typeface="Microsoft JhengHei" panose="020B0604030504040204" pitchFamily="34" charset="-120"/>
+                <a:ea typeface="Microsoft JhengHei" panose="020B0604030504040204" pitchFamily="34" charset="-120"/>
+              </a:rPr>
               <a:t>天天一起唱</a:t>
             </a:r>
           </a:p>
         </p:txBody>
       </p:sp>
     </p:spTree>
+    <p:extLst>
+      <p:ext uri="{BB962C8B-B14F-4D97-AF65-F5344CB8AC3E}">
+        <p14:creationId xmlns:p14="http://schemas.microsoft.com/office/powerpoint/2010/main" val="1550917850"/>
+      </p:ext>
+    </p:extLst>
   </p:cSld>
   <p:clrMapOvr>
     <a:masterClrMapping/>

--- a/我要唱快樂頌.pptx
+++ b/我要唱快樂頌.pptx
@@ -311,7 +311,7 @@
           <a:p>
             <a:fld id="{703731B3-FF23-43C7-A536-F75B99E85F32}" type="datetimeFigureOut">
               <a:rPr lang="zh-TW" altLang="en-US" smtClean="0"/>
-              <a:t>2020/12/17</a:t>
+              <a:t>2021/12/15</a:t>
             </a:fld>
             <a:endParaRPr lang="zh-TW" altLang="en-US"/>
           </a:p>
@@ -476,7 +476,7 @@
           <a:p>
             <a:fld id="{703731B3-FF23-43C7-A536-F75B99E85F32}" type="datetimeFigureOut">
               <a:rPr lang="zh-TW" altLang="en-US" smtClean="0"/>
-              <a:t>2020/12/17</a:t>
+              <a:t>2021/12/15</a:t>
             </a:fld>
             <a:endParaRPr lang="zh-TW" altLang="en-US"/>
           </a:p>
@@ -651,7 +651,7 @@
           <a:p>
             <a:fld id="{703731B3-FF23-43C7-A536-F75B99E85F32}" type="datetimeFigureOut">
               <a:rPr lang="zh-TW" altLang="en-US" smtClean="0"/>
-              <a:t>2020/12/17</a:t>
+              <a:t>2021/12/15</a:t>
             </a:fld>
             <a:endParaRPr lang="zh-TW" altLang="en-US"/>
           </a:p>
@@ -816,7 +816,7 @@
           <a:p>
             <a:fld id="{703731B3-FF23-43C7-A536-F75B99E85F32}" type="datetimeFigureOut">
               <a:rPr lang="zh-TW" altLang="en-US" smtClean="0"/>
-              <a:t>2020/12/17</a:t>
+              <a:t>2021/12/15</a:t>
             </a:fld>
             <a:endParaRPr lang="zh-TW" altLang="en-US"/>
           </a:p>
@@ -1057,7 +1057,7 @@
           <a:p>
             <a:fld id="{703731B3-FF23-43C7-A536-F75B99E85F32}" type="datetimeFigureOut">
               <a:rPr lang="zh-TW" altLang="en-US" smtClean="0"/>
-              <a:t>2020/12/17</a:t>
+              <a:t>2021/12/15</a:t>
             </a:fld>
             <a:endParaRPr lang="zh-TW" altLang="en-US"/>
           </a:p>
@@ -1340,7 +1340,7 @@
           <a:p>
             <a:fld id="{703731B3-FF23-43C7-A536-F75B99E85F32}" type="datetimeFigureOut">
               <a:rPr lang="zh-TW" altLang="en-US" smtClean="0"/>
-              <a:t>2020/12/17</a:t>
+              <a:t>2021/12/15</a:t>
             </a:fld>
             <a:endParaRPr lang="zh-TW" altLang="en-US"/>
           </a:p>
@@ -1757,7 +1757,7 @@
           <a:p>
             <a:fld id="{703731B3-FF23-43C7-A536-F75B99E85F32}" type="datetimeFigureOut">
               <a:rPr lang="zh-TW" altLang="en-US" smtClean="0"/>
-              <a:t>2020/12/17</a:t>
+              <a:t>2021/12/15</a:t>
             </a:fld>
             <a:endParaRPr lang="zh-TW" altLang="en-US"/>
           </a:p>
@@ -1870,7 +1870,7 @@
           <a:p>
             <a:fld id="{703731B3-FF23-43C7-A536-F75B99E85F32}" type="datetimeFigureOut">
               <a:rPr lang="zh-TW" altLang="en-US" smtClean="0"/>
-              <a:t>2020/12/17</a:t>
+              <a:t>2021/12/15</a:t>
             </a:fld>
             <a:endParaRPr lang="zh-TW" altLang="en-US"/>
           </a:p>
@@ -1960,7 +1960,7 @@
           <a:p>
             <a:fld id="{703731B3-FF23-43C7-A536-F75B99E85F32}" type="datetimeFigureOut">
               <a:rPr lang="zh-TW" altLang="en-US" smtClean="0"/>
-              <a:t>2020/12/17</a:t>
+              <a:t>2021/12/15</a:t>
             </a:fld>
             <a:endParaRPr lang="zh-TW" altLang="en-US"/>
           </a:p>
@@ -2232,7 +2232,7 @@
           <a:p>
             <a:fld id="{703731B3-FF23-43C7-A536-F75B99E85F32}" type="datetimeFigureOut">
               <a:rPr lang="zh-TW" altLang="en-US" smtClean="0"/>
-              <a:t>2020/12/17</a:t>
+              <a:t>2021/12/15</a:t>
             </a:fld>
             <a:endParaRPr lang="zh-TW" altLang="en-US"/>
           </a:p>
@@ -2484,7 +2484,7 @@
           <a:p>
             <a:fld id="{703731B3-FF23-43C7-A536-F75B99E85F32}" type="datetimeFigureOut">
               <a:rPr lang="zh-TW" altLang="en-US" smtClean="0"/>
-              <a:t>2020/12/17</a:t>
+              <a:t>2021/12/15</a:t>
             </a:fld>
             <a:endParaRPr lang="zh-TW" altLang="en-US"/>
           </a:p>
@@ -2697,7 +2697,7 @@
           <a:p>
             <a:fld id="{703731B3-FF23-43C7-A536-F75B99E85F32}" type="datetimeFigureOut">
               <a:rPr lang="zh-TW" altLang="en-US" smtClean="0"/>
-              <a:t>2020/12/17</a:t>
+              <a:t>2021/12/15</a:t>
             </a:fld>
             <a:endParaRPr lang="zh-TW" altLang="en-US"/>
           </a:p>
@@ -3198,27 +3198,17 @@
             <a:r>
               <a:rPr lang="zh-TW" altLang="en-US" sz="4800" b="1" dirty="0">
                 <a:solidFill>
-                  <a:srgbClr val="002060"/>
+                  <a:srgbClr val="000066"/>
                 </a:solidFill>
                 <a:latin typeface="Microsoft JhengHei" panose="020B0604030504040204" pitchFamily="34" charset="-120"/>
                 <a:ea typeface="Microsoft JhengHei" panose="020B0604030504040204" pitchFamily="34" charset="-120"/>
               </a:rPr>
-              <a:t>閃星星  閃星</a:t>
-            </a:r>
-            <a:r>
-              <a:rPr lang="zh-TW" altLang="en-US" sz="4800" b="1" dirty="0">
-                <a:solidFill>
-                  <a:srgbClr val="002060"/>
-                </a:solidFill>
-                <a:latin typeface="Microsoft JhengHei" panose="020B0604030504040204" pitchFamily="34" charset="-120"/>
-                <a:ea typeface="Microsoft JhengHei" panose="020B0604030504040204" pitchFamily="34" charset="-120"/>
-              </a:rPr>
-              <a:t>星</a:t>
+              <a:t>閃星星  閃星星</a:t>
             </a:r>
             <a:r>
               <a:rPr lang="en-US" altLang="zh-TW" sz="4800" b="1" dirty="0">
                 <a:solidFill>
-                  <a:srgbClr val="002060"/>
+                  <a:srgbClr val="000066"/>
                 </a:solidFill>
                 <a:latin typeface="Microsoft JhengHei" panose="020B0604030504040204" pitchFamily="34" charset="-120"/>
                 <a:ea typeface="Microsoft JhengHei" panose="020B0604030504040204" pitchFamily="34" charset="-120"/>
@@ -3228,26 +3218,16 @@
             <a:r>
               <a:rPr lang="zh-TW" altLang="en-US" sz="4800" b="1" dirty="0">
                 <a:solidFill>
-                  <a:srgbClr val="002060"/>
+                  <a:srgbClr val="000066"/>
                 </a:solidFill>
                 <a:latin typeface="Microsoft JhengHei" panose="020B0604030504040204" pitchFamily="34" charset="-120"/>
                 <a:ea typeface="Microsoft JhengHei" panose="020B0604030504040204" pitchFamily="34" charset="-120"/>
               </a:rPr>
-              <a:t>救</a:t>
-            </a:r>
-            <a:r>
-              <a:rPr lang="zh-TW" altLang="en-US" sz="4800" b="1" dirty="0">
-                <a:solidFill>
-                  <a:srgbClr val="002060"/>
-                </a:solidFill>
-                <a:latin typeface="Microsoft JhengHei" panose="020B0604030504040204" pitchFamily="34" charset="-120"/>
-                <a:ea typeface="Microsoft JhengHei" panose="020B0604030504040204" pitchFamily="34" charset="-120"/>
-              </a:rPr>
-              <a:t>主已降生</a:t>
+              <a:t>救主已降生</a:t>
             </a:r>
             <a:endParaRPr lang="en-US" altLang="zh-TW" sz="4800" b="1" dirty="0">
               <a:solidFill>
-                <a:srgbClr val="002060"/>
+                <a:srgbClr val="000066"/>
               </a:solidFill>
               <a:latin typeface="Microsoft JhengHei" panose="020B0604030504040204" pitchFamily="34" charset="-120"/>
               <a:ea typeface="Microsoft JhengHei" panose="020B0604030504040204" pitchFamily="34" charset="-120"/>
@@ -3260,27 +3240,17 @@
             <a:r>
               <a:rPr lang="zh-TW" altLang="en-US" sz="4800" b="1" dirty="0">
                 <a:solidFill>
-                  <a:srgbClr val="002060"/>
+                  <a:srgbClr val="000066"/>
                 </a:solidFill>
                 <a:latin typeface="Microsoft JhengHei" panose="020B0604030504040204" pitchFamily="34" charset="-120"/>
                 <a:ea typeface="Microsoft JhengHei" panose="020B0604030504040204" pitchFamily="34" charset="-120"/>
               </a:rPr>
-              <a:t>聖誕節  多開</a:t>
-            </a:r>
-            <a:r>
-              <a:rPr lang="zh-TW" altLang="en-US" sz="4800" b="1" dirty="0">
-                <a:solidFill>
-                  <a:srgbClr val="002060"/>
-                </a:solidFill>
-                <a:latin typeface="Microsoft JhengHei" panose="020B0604030504040204" pitchFamily="34" charset="-120"/>
-                <a:ea typeface="Microsoft JhengHei" panose="020B0604030504040204" pitchFamily="34" charset="-120"/>
-              </a:rPr>
-              <a:t>心</a:t>
+              <a:t>聖誕節  多開心</a:t>
             </a:r>
             <a:r>
               <a:rPr lang="en-US" altLang="zh-TW" sz="4800" b="1" dirty="0">
                 <a:solidFill>
-                  <a:srgbClr val="002060"/>
+                  <a:srgbClr val="000066"/>
                 </a:solidFill>
                 <a:latin typeface="Microsoft JhengHei" panose="020B0604030504040204" pitchFamily="34" charset="-120"/>
                 <a:ea typeface="Microsoft JhengHei" panose="020B0604030504040204" pitchFamily="34" charset="-120"/>
@@ -3290,22 +3260,12 @@
             <a:r>
               <a:rPr lang="zh-TW" altLang="en-US" sz="4800" b="1" dirty="0">
                 <a:solidFill>
-                  <a:srgbClr val="002060"/>
+                  <a:srgbClr val="000066"/>
                 </a:solidFill>
                 <a:latin typeface="Microsoft JhengHei" panose="020B0604030504040204" pitchFamily="34" charset="-120"/>
                 <a:ea typeface="Microsoft JhengHei" panose="020B0604030504040204" pitchFamily="34" charset="-120"/>
               </a:rPr>
-              <a:t>萬</a:t>
-            </a:r>
-            <a:r>
-              <a:rPr lang="zh-TW" altLang="en-US" sz="4800" b="1" dirty="0">
-                <a:solidFill>
-                  <a:srgbClr val="002060"/>
-                </a:solidFill>
-                <a:latin typeface="Microsoft JhengHei" panose="020B0604030504040204" pitchFamily="34" charset="-120"/>
-                <a:ea typeface="Microsoft JhengHei" panose="020B0604030504040204" pitchFamily="34" charset="-120"/>
-              </a:rPr>
-              <a:t>民同頌神恩</a:t>
+              <a:t>萬民同頌神恩</a:t>
             </a:r>
           </a:p>
         </p:txBody>
@@ -3368,27 +3328,17 @@
             <a:r>
               <a:rPr lang="zh-TW" altLang="en-US" sz="4800" b="1" dirty="0">
                 <a:solidFill>
-                  <a:srgbClr val="002060"/>
+                  <a:srgbClr val="000066"/>
                 </a:solidFill>
                 <a:latin typeface="Microsoft JhengHei" panose="020B0604030504040204" pitchFamily="34" charset="-120"/>
                 <a:ea typeface="Microsoft JhengHei" panose="020B0604030504040204" pitchFamily="34" charset="-120"/>
               </a:rPr>
-              <a:t>好開心  真開</a:t>
-            </a:r>
-            <a:r>
-              <a:rPr lang="zh-TW" altLang="en-US" sz="4800" b="1" dirty="0">
-                <a:solidFill>
-                  <a:srgbClr val="002060"/>
-                </a:solidFill>
-                <a:latin typeface="Microsoft JhengHei" panose="020B0604030504040204" pitchFamily="34" charset="-120"/>
-                <a:ea typeface="Microsoft JhengHei" panose="020B0604030504040204" pitchFamily="34" charset="-120"/>
-              </a:rPr>
-              <a:t>心</a:t>
+              <a:t>好開心  真開心</a:t>
             </a:r>
             <a:r>
               <a:rPr lang="en-US" altLang="zh-TW" sz="4800" b="1" dirty="0">
                 <a:solidFill>
-                  <a:srgbClr val="002060"/>
+                  <a:srgbClr val="000066"/>
                 </a:solidFill>
                 <a:latin typeface="Microsoft JhengHei" panose="020B0604030504040204" pitchFamily="34" charset="-120"/>
                 <a:ea typeface="Microsoft JhengHei" panose="020B0604030504040204" pitchFamily="34" charset="-120"/>
@@ -3398,26 +3348,16 @@
             <a:r>
               <a:rPr lang="zh-TW" altLang="en-US" sz="4800" b="1" dirty="0">
                 <a:solidFill>
-                  <a:srgbClr val="002060"/>
+                  <a:srgbClr val="000066"/>
                 </a:solidFill>
                 <a:latin typeface="Microsoft JhengHei" panose="020B0604030504040204" pitchFamily="34" charset="-120"/>
                 <a:ea typeface="Microsoft JhengHei" panose="020B0604030504040204" pitchFamily="34" charset="-120"/>
               </a:rPr>
-              <a:t>主</a:t>
-            </a:r>
-            <a:r>
-              <a:rPr lang="zh-TW" altLang="en-US" sz="4800" b="1" dirty="0">
-                <a:solidFill>
-                  <a:srgbClr val="002060"/>
-                </a:solidFill>
-                <a:latin typeface="Microsoft JhengHei" panose="020B0604030504040204" pitchFamily="34" charset="-120"/>
-                <a:ea typeface="Microsoft JhengHei" panose="020B0604030504040204" pitchFamily="34" charset="-120"/>
-              </a:rPr>
-              <a:t>給我救恩</a:t>
+              <a:t>主給我救恩</a:t>
             </a:r>
             <a:endParaRPr lang="en-US" altLang="zh-TW" sz="4800" b="1" dirty="0">
               <a:solidFill>
-                <a:srgbClr val="002060"/>
+                <a:srgbClr val="000066"/>
               </a:solidFill>
               <a:latin typeface="Microsoft JhengHei" panose="020B0604030504040204" pitchFamily="34" charset="-120"/>
               <a:ea typeface="Microsoft JhengHei" panose="020B0604030504040204" pitchFamily="34" charset="-120"/>
@@ -3430,27 +3370,17 @@
             <a:r>
               <a:rPr lang="zh-TW" altLang="en-US" sz="4800" b="1" dirty="0">
                 <a:solidFill>
-                  <a:srgbClr val="002060"/>
+                  <a:srgbClr val="000066"/>
                 </a:solidFill>
                 <a:latin typeface="Microsoft JhengHei" panose="020B0604030504040204" pitchFamily="34" charset="-120"/>
                 <a:ea typeface="Microsoft JhengHei" panose="020B0604030504040204" pitchFamily="34" charset="-120"/>
               </a:rPr>
-              <a:t>我要唱  快樂</a:t>
-            </a:r>
-            <a:r>
-              <a:rPr lang="zh-TW" altLang="en-US" sz="4800" b="1" dirty="0">
-                <a:solidFill>
-                  <a:srgbClr val="002060"/>
-                </a:solidFill>
-                <a:latin typeface="Microsoft JhengHei" panose="020B0604030504040204" pitchFamily="34" charset="-120"/>
-                <a:ea typeface="Microsoft JhengHei" panose="020B0604030504040204" pitchFamily="34" charset="-120"/>
-              </a:rPr>
-              <a:t>頌</a:t>
+              <a:t>我要唱  快樂頌</a:t>
             </a:r>
             <a:r>
               <a:rPr lang="en-US" altLang="zh-TW" sz="4800" b="1" dirty="0">
                 <a:solidFill>
-                  <a:srgbClr val="002060"/>
+                  <a:srgbClr val="000066"/>
                 </a:solidFill>
                 <a:latin typeface="Microsoft JhengHei" panose="020B0604030504040204" pitchFamily="34" charset="-120"/>
                 <a:ea typeface="Microsoft JhengHei" panose="020B0604030504040204" pitchFamily="34" charset="-120"/>
@@ -3460,22 +3390,12 @@
             <a:r>
               <a:rPr lang="zh-TW" altLang="en-US" sz="4800" b="1" dirty="0">
                 <a:solidFill>
-                  <a:srgbClr val="002060"/>
+                  <a:srgbClr val="000066"/>
                 </a:solidFill>
                 <a:latin typeface="Microsoft JhengHei" panose="020B0604030504040204" pitchFamily="34" charset="-120"/>
                 <a:ea typeface="Microsoft JhengHei" panose="020B0604030504040204" pitchFamily="34" charset="-120"/>
               </a:rPr>
-              <a:t>願</a:t>
-            </a:r>
-            <a:r>
-              <a:rPr lang="zh-TW" altLang="en-US" sz="4800" b="1" dirty="0">
-                <a:solidFill>
-                  <a:srgbClr val="002060"/>
-                </a:solidFill>
-                <a:latin typeface="Microsoft JhengHei" panose="020B0604030504040204" pitchFamily="34" charset="-120"/>
-                <a:ea typeface="Microsoft JhengHei" panose="020B0604030504040204" pitchFamily="34" charset="-120"/>
-              </a:rPr>
-              <a:t>普天一起唱</a:t>
+              <a:t>願普天一起唱</a:t>
             </a:r>
           </a:p>
         </p:txBody>
@@ -3538,7 +3458,7 @@
             <a:r>
               <a:rPr lang="zh-TW" altLang="en-US" sz="4800" b="1" dirty="0">
                 <a:solidFill>
-                  <a:srgbClr val="002060"/>
+                  <a:srgbClr val="000066"/>
                 </a:solidFill>
                 <a:latin typeface="Microsoft JhengHei" panose="020B0604030504040204" pitchFamily="34" charset="-120"/>
                 <a:ea typeface="Microsoft JhengHei" panose="020B0604030504040204" pitchFamily="34" charset="-120"/>
@@ -3547,7 +3467,7 @@
             </a:r>
             <a:endParaRPr lang="en-US" altLang="zh-TW" sz="4800" b="1" dirty="0">
               <a:solidFill>
-                <a:srgbClr val="002060"/>
+                <a:srgbClr val="000066"/>
               </a:solidFill>
               <a:latin typeface="Microsoft JhengHei" panose="020B0604030504040204" pitchFamily="34" charset="-120"/>
               <a:ea typeface="Microsoft JhengHei" panose="020B0604030504040204" pitchFamily="34" charset="-120"/>
@@ -3560,7 +3480,7 @@
             <a:r>
               <a:rPr lang="zh-TW" altLang="en-US" sz="4800" b="1" dirty="0">
                 <a:solidFill>
-                  <a:srgbClr val="002060"/>
+                  <a:srgbClr val="000066"/>
                 </a:solidFill>
                 <a:latin typeface="Microsoft JhengHei" panose="020B0604030504040204" pitchFamily="34" charset="-120"/>
                 <a:ea typeface="Microsoft JhengHei" panose="020B0604030504040204" pitchFamily="34" charset="-120"/>
@@ -3569,7 +3489,7 @@
             </a:r>
             <a:endParaRPr lang="en-US" altLang="zh-TW" sz="4800" b="1" dirty="0">
               <a:solidFill>
-                <a:srgbClr val="002060"/>
+                <a:srgbClr val="000066"/>
               </a:solidFill>
               <a:latin typeface="Microsoft JhengHei" panose="020B0604030504040204" pitchFamily="34" charset="-120"/>
               <a:ea typeface="Microsoft JhengHei" panose="020B0604030504040204" pitchFamily="34" charset="-120"/>
@@ -3635,7 +3555,7 @@
             <a:r>
               <a:rPr lang="zh-TW" altLang="en-US" sz="4800" b="1" dirty="0">
                 <a:solidFill>
-                  <a:srgbClr val="002060"/>
+                  <a:srgbClr val="000066"/>
                 </a:solidFill>
                 <a:latin typeface="Microsoft JhengHei" panose="020B0604030504040204" pitchFamily="34" charset="-120"/>
                 <a:ea typeface="Microsoft JhengHei" panose="020B0604030504040204" pitchFamily="34" charset="-120"/>
@@ -3644,7 +3564,7 @@
             </a:r>
             <a:endParaRPr lang="en-US" altLang="zh-TW" sz="4800" b="1" dirty="0">
               <a:solidFill>
-                <a:srgbClr val="002060"/>
+                <a:srgbClr val="000066"/>
               </a:solidFill>
               <a:latin typeface="Microsoft JhengHei" panose="020B0604030504040204" pitchFamily="34" charset="-120"/>
               <a:ea typeface="Microsoft JhengHei" panose="020B0604030504040204" pitchFamily="34" charset="-120"/>
@@ -3657,7 +3577,7 @@
             <a:r>
               <a:rPr lang="zh-TW" altLang="en-US" sz="4800" b="1" dirty="0">
                 <a:solidFill>
-                  <a:srgbClr val="002060"/>
+                  <a:srgbClr val="000066"/>
                 </a:solidFill>
                 <a:latin typeface="Microsoft JhengHei" panose="020B0604030504040204" pitchFamily="34" charset="-120"/>
                 <a:ea typeface="Microsoft JhengHei" panose="020B0604030504040204" pitchFamily="34" charset="-120"/>
@@ -3666,7 +3586,7 @@
             </a:r>
             <a:endParaRPr lang="en-US" altLang="zh-TW" sz="4800" b="1" dirty="0">
               <a:solidFill>
-                <a:srgbClr val="002060"/>
+                <a:srgbClr val="000066"/>
               </a:solidFill>
               <a:latin typeface="Microsoft JhengHei" panose="020B0604030504040204" pitchFamily="34" charset="-120"/>
               <a:ea typeface="Microsoft JhengHei" panose="020B0604030504040204" pitchFamily="34" charset="-120"/>
@@ -3732,7 +3652,7 @@
             <a:r>
               <a:rPr lang="zh-TW" altLang="en-US" sz="4800" b="1" dirty="0">
                 <a:solidFill>
-                  <a:srgbClr val="002060"/>
+                  <a:srgbClr val="000066"/>
                 </a:solidFill>
                 <a:latin typeface="Microsoft JhengHei" panose="020B0604030504040204" pitchFamily="34" charset="-120"/>
                 <a:ea typeface="Microsoft JhengHei" panose="020B0604030504040204" pitchFamily="34" charset="-120"/>
@@ -3742,7 +3662,7 @@
             <a:r>
               <a:rPr lang="en-US" altLang="zh-TW" sz="4800" b="1" dirty="0">
                 <a:solidFill>
-                  <a:srgbClr val="002060"/>
+                  <a:srgbClr val="000066"/>
                 </a:solidFill>
                 <a:latin typeface="Microsoft JhengHei" panose="020B0604030504040204" pitchFamily="34" charset="-120"/>
                 <a:ea typeface="Microsoft JhengHei" panose="020B0604030504040204" pitchFamily="34" charset="-120"/>
@@ -3751,7 +3671,7 @@
             </a:r>
             <a:endParaRPr lang="zh-TW" altLang="en-US" sz="4800" b="1" dirty="0">
               <a:solidFill>
-                <a:srgbClr val="002060"/>
+                <a:srgbClr val="000066"/>
               </a:solidFill>
               <a:latin typeface="Microsoft JhengHei" panose="020B0604030504040204" pitchFamily="34" charset="-120"/>
               <a:ea typeface="Microsoft JhengHei" panose="020B0604030504040204" pitchFamily="34" charset="-120"/>
@@ -3817,27 +3737,17 @@
             <a:r>
               <a:rPr lang="zh-TW" altLang="en-US" sz="4800" b="1" dirty="0">
                 <a:solidFill>
-                  <a:srgbClr val="002060"/>
+                  <a:srgbClr val="000066"/>
                 </a:solidFill>
                 <a:latin typeface="Microsoft JhengHei" panose="020B0604030504040204" pitchFamily="34" charset="-120"/>
                 <a:ea typeface="Microsoft JhengHei" panose="020B0604030504040204" pitchFamily="34" charset="-120"/>
               </a:rPr>
-              <a:t>閃星星  閃星</a:t>
-            </a:r>
-            <a:r>
-              <a:rPr lang="zh-TW" altLang="en-US" sz="4800" b="1" dirty="0">
-                <a:solidFill>
-                  <a:srgbClr val="002060"/>
-                </a:solidFill>
-                <a:latin typeface="Microsoft JhengHei" panose="020B0604030504040204" pitchFamily="34" charset="-120"/>
-                <a:ea typeface="Microsoft JhengHei" panose="020B0604030504040204" pitchFamily="34" charset="-120"/>
-              </a:rPr>
-              <a:t>星</a:t>
+              <a:t>閃星星  閃星星</a:t>
             </a:r>
             <a:r>
               <a:rPr lang="en-US" altLang="zh-TW" sz="4800" b="1" dirty="0">
                 <a:solidFill>
-                  <a:srgbClr val="002060"/>
+                  <a:srgbClr val="000066"/>
                 </a:solidFill>
                 <a:latin typeface="Microsoft JhengHei" panose="020B0604030504040204" pitchFamily="34" charset="-120"/>
                 <a:ea typeface="Microsoft JhengHei" panose="020B0604030504040204" pitchFamily="34" charset="-120"/>
@@ -3847,26 +3757,16 @@
             <a:r>
               <a:rPr lang="zh-TW" altLang="en-US" sz="4800" b="1" dirty="0">
                 <a:solidFill>
-                  <a:srgbClr val="002060"/>
+                  <a:srgbClr val="000066"/>
                 </a:solidFill>
                 <a:latin typeface="Microsoft JhengHei" panose="020B0604030504040204" pitchFamily="34" charset="-120"/>
                 <a:ea typeface="Microsoft JhengHei" panose="020B0604030504040204" pitchFamily="34" charset="-120"/>
               </a:rPr>
-              <a:t>救</a:t>
-            </a:r>
-            <a:r>
-              <a:rPr lang="zh-TW" altLang="en-US" sz="4800" b="1" dirty="0">
-                <a:solidFill>
-                  <a:srgbClr val="002060"/>
-                </a:solidFill>
-                <a:latin typeface="Microsoft JhengHei" panose="020B0604030504040204" pitchFamily="34" charset="-120"/>
-                <a:ea typeface="Microsoft JhengHei" panose="020B0604030504040204" pitchFamily="34" charset="-120"/>
-              </a:rPr>
-              <a:t>主已降生</a:t>
+              <a:t>救主已降生</a:t>
             </a:r>
             <a:endParaRPr lang="en-US" altLang="zh-TW" sz="4800" b="1" dirty="0">
               <a:solidFill>
-                <a:srgbClr val="002060"/>
+                <a:srgbClr val="000066"/>
               </a:solidFill>
               <a:latin typeface="Microsoft JhengHei" panose="020B0604030504040204" pitchFamily="34" charset="-120"/>
               <a:ea typeface="Microsoft JhengHei" panose="020B0604030504040204" pitchFamily="34" charset="-120"/>
@@ -3879,27 +3779,17 @@
             <a:r>
               <a:rPr lang="zh-TW" altLang="en-US" sz="4800" b="1" dirty="0">
                 <a:solidFill>
-                  <a:srgbClr val="002060"/>
+                  <a:srgbClr val="000066"/>
                 </a:solidFill>
                 <a:latin typeface="Microsoft JhengHei" panose="020B0604030504040204" pitchFamily="34" charset="-120"/>
                 <a:ea typeface="Microsoft JhengHei" panose="020B0604030504040204" pitchFamily="34" charset="-120"/>
               </a:rPr>
-              <a:t>聖誕節  多開</a:t>
-            </a:r>
-            <a:r>
-              <a:rPr lang="zh-TW" altLang="en-US" sz="4800" b="1" dirty="0">
-                <a:solidFill>
-                  <a:srgbClr val="002060"/>
-                </a:solidFill>
-                <a:latin typeface="Microsoft JhengHei" panose="020B0604030504040204" pitchFamily="34" charset="-120"/>
-                <a:ea typeface="Microsoft JhengHei" panose="020B0604030504040204" pitchFamily="34" charset="-120"/>
-              </a:rPr>
-              <a:t>心</a:t>
+              <a:t>聖誕節  多開心</a:t>
             </a:r>
             <a:r>
               <a:rPr lang="en-US" altLang="zh-TW" sz="4800" b="1" dirty="0">
                 <a:solidFill>
-                  <a:srgbClr val="002060"/>
+                  <a:srgbClr val="000066"/>
                 </a:solidFill>
                 <a:latin typeface="Microsoft JhengHei" panose="020B0604030504040204" pitchFamily="34" charset="-120"/>
                 <a:ea typeface="Microsoft JhengHei" panose="020B0604030504040204" pitchFamily="34" charset="-120"/>
@@ -3909,22 +3799,12 @@
             <a:r>
               <a:rPr lang="zh-TW" altLang="en-US" sz="4800" b="1" dirty="0">
                 <a:solidFill>
-                  <a:srgbClr val="002060"/>
+                  <a:srgbClr val="000066"/>
                 </a:solidFill>
                 <a:latin typeface="Microsoft JhengHei" panose="020B0604030504040204" pitchFamily="34" charset="-120"/>
                 <a:ea typeface="Microsoft JhengHei" panose="020B0604030504040204" pitchFamily="34" charset="-120"/>
               </a:rPr>
-              <a:t>萬</a:t>
-            </a:r>
-            <a:r>
-              <a:rPr lang="zh-TW" altLang="en-US" sz="4800" b="1" dirty="0">
-                <a:solidFill>
-                  <a:srgbClr val="002060"/>
-                </a:solidFill>
-                <a:latin typeface="Microsoft JhengHei" panose="020B0604030504040204" pitchFamily="34" charset="-120"/>
-                <a:ea typeface="Microsoft JhengHei" panose="020B0604030504040204" pitchFamily="34" charset="-120"/>
-              </a:rPr>
-              <a:t>民同頌神恩</a:t>
+              <a:t>萬民同頌神恩</a:t>
             </a:r>
           </a:p>
         </p:txBody>
@@ -3987,27 +3867,17 @@
             <a:r>
               <a:rPr lang="zh-TW" altLang="en-US" sz="4800" b="1" dirty="0">
                 <a:solidFill>
-                  <a:srgbClr val="002060"/>
+                  <a:srgbClr val="000066"/>
                 </a:solidFill>
                 <a:latin typeface="Microsoft JhengHei" panose="020B0604030504040204" pitchFamily="34" charset="-120"/>
                 <a:ea typeface="Microsoft JhengHei" panose="020B0604030504040204" pitchFamily="34" charset="-120"/>
               </a:rPr>
-              <a:t>好開心  真開</a:t>
-            </a:r>
-            <a:r>
-              <a:rPr lang="zh-TW" altLang="en-US" sz="4800" b="1" dirty="0">
-                <a:solidFill>
-                  <a:srgbClr val="002060"/>
-                </a:solidFill>
-                <a:latin typeface="Microsoft JhengHei" panose="020B0604030504040204" pitchFamily="34" charset="-120"/>
-                <a:ea typeface="Microsoft JhengHei" panose="020B0604030504040204" pitchFamily="34" charset="-120"/>
-              </a:rPr>
-              <a:t>心</a:t>
+              <a:t>好開心  真開心</a:t>
             </a:r>
             <a:r>
               <a:rPr lang="en-US" altLang="zh-TW" sz="4800" b="1" dirty="0">
                 <a:solidFill>
-                  <a:srgbClr val="002060"/>
+                  <a:srgbClr val="000066"/>
                 </a:solidFill>
                 <a:latin typeface="Microsoft JhengHei" panose="020B0604030504040204" pitchFamily="34" charset="-120"/>
                 <a:ea typeface="Microsoft JhengHei" panose="020B0604030504040204" pitchFamily="34" charset="-120"/>
@@ -4017,26 +3887,16 @@
             <a:r>
               <a:rPr lang="zh-TW" altLang="en-US" sz="4800" b="1" dirty="0">
                 <a:solidFill>
-                  <a:srgbClr val="002060"/>
+                  <a:srgbClr val="000066"/>
                 </a:solidFill>
                 <a:latin typeface="Microsoft JhengHei" panose="020B0604030504040204" pitchFamily="34" charset="-120"/>
                 <a:ea typeface="Microsoft JhengHei" panose="020B0604030504040204" pitchFamily="34" charset="-120"/>
               </a:rPr>
-              <a:t>主</a:t>
-            </a:r>
-            <a:r>
-              <a:rPr lang="zh-TW" altLang="en-US" sz="4800" b="1" dirty="0">
-                <a:solidFill>
-                  <a:srgbClr val="002060"/>
-                </a:solidFill>
-                <a:latin typeface="Microsoft JhengHei" panose="020B0604030504040204" pitchFamily="34" charset="-120"/>
-                <a:ea typeface="Microsoft JhengHei" panose="020B0604030504040204" pitchFamily="34" charset="-120"/>
-              </a:rPr>
-              <a:t>恩滿我心</a:t>
+              <a:t>主恩滿我心</a:t>
             </a:r>
             <a:endParaRPr lang="en-US" altLang="zh-TW" sz="4800" b="1" dirty="0">
               <a:solidFill>
-                <a:srgbClr val="002060"/>
+                <a:srgbClr val="000066"/>
               </a:solidFill>
               <a:latin typeface="Microsoft JhengHei" panose="020B0604030504040204" pitchFamily="34" charset="-120"/>
               <a:ea typeface="Microsoft JhengHei" panose="020B0604030504040204" pitchFamily="34" charset="-120"/>
@@ -4049,7 +3909,7 @@
             <a:r>
               <a:rPr lang="zh-TW" altLang="en-US" sz="4800" b="1" dirty="0">
                 <a:solidFill>
-                  <a:srgbClr val="002060"/>
+                  <a:srgbClr val="000066"/>
                 </a:solidFill>
                 <a:latin typeface="Microsoft JhengHei" panose="020B0604030504040204" pitchFamily="34" charset="-120"/>
                 <a:ea typeface="Microsoft JhengHei" panose="020B0604030504040204" pitchFamily="34" charset="-120"/>
@@ -4059,7 +3919,7 @@
             <a:r>
               <a:rPr lang="zh-TW" altLang="en-US" sz="4800" b="1" dirty="0" smtClean="0">
                 <a:solidFill>
-                  <a:srgbClr val="002060"/>
+                  <a:srgbClr val="000066"/>
                 </a:solidFill>
                 <a:latin typeface="Microsoft JhengHei" panose="020B0604030504040204" pitchFamily="34" charset="-120"/>
                 <a:ea typeface="Microsoft JhengHei" panose="020B0604030504040204" pitchFamily="34" charset="-120"/>
@@ -4069,27 +3929,17 @@
             <a:r>
               <a:rPr lang="zh-TW" altLang="en-US" sz="4800" b="1" dirty="0">
                 <a:solidFill>
-                  <a:srgbClr val="002060"/>
+                  <a:srgbClr val="000066"/>
                 </a:solidFill>
                 <a:latin typeface="Microsoft JhengHei" panose="020B0604030504040204" pitchFamily="34" charset="-120"/>
                 <a:ea typeface="Microsoft JhengHei" panose="020B0604030504040204" pitchFamily="34" charset="-120"/>
               </a:rPr>
-              <a:t>樂</a:t>
-            </a:r>
-            <a:r>
-              <a:rPr lang="zh-TW" altLang="en-US" sz="4800" b="1" dirty="0">
-                <a:solidFill>
-                  <a:srgbClr val="002060"/>
-                </a:solidFill>
-                <a:latin typeface="Microsoft JhengHei" panose="020B0604030504040204" pitchFamily="34" charset="-120"/>
-                <a:ea typeface="Microsoft JhengHei" panose="020B0604030504040204" pitchFamily="34" charset="-120"/>
-              </a:rPr>
-              <a:t>頌</a:t>
+              <a:t>樂頌</a:t>
             </a:r>
             <a:r>
               <a:rPr lang="en-US" altLang="zh-TW" sz="4800" b="1" dirty="0">
                 <a:solidFill>
-                  <a:srgbClr val="002060"/>
+                  <a:srgbClr val="000066"/>
                 </a:solidFill>
                 <a:latin typeface="Microsoft JhengHei" panose="020B0604030504040204" pitchFamily="34" charset="-120"/>
                 <a:ea typeface="Microsoft JhengHei" panose="020B0604030504040204" pitchFamily="34" charset="-120"/>
@@ -4099,22 +3949,12 @@
             <a:r>
               <a:rPr lang="zh-TW" altLang="en-US" sz="4800" b="1" dirty="0">
                 <a:solidFill>
-                  <a:srgbClr val="002060"/>
+                  <a:srgbClr val="000066"/>
                 </a:solidFill>
                 <a:latin typeface="Microsoft JhengHei" panose="020B0604030504040204" pitchFamily="34" charset="-120"/>
                 <a:ea typeface="Microsoft JhengHei" panose="020B0604030504040204" pitchFamily="34" charset="-120"/>
               </a:rPr>
-              <a:t>願</a:t>
-            </a:r>
-            <a:r>
-              <a:rPr lang="zh-TW" altLang="en-US" sz="4800" b="1" dirty="0">
-                <a:solidFill>
-                  <a:srgbClr val="002060"/>
-                </a:solidFill>
-                <a:latin typeface="Microsoft JhengHei" panose="020B0604030504040204" pitchFamily="34" charset="-120"/>
-                <a:ea typeface="Microsoft JhengHei" panose="020B0604030504040204" pitchFamily="34" charset="-120"/>
-              </a:rPr>
-              <a:t>天天一起唱</a:t>
+              <a:t>願天天一起唱</a:t>
             </a:r>
           </a:p>
         </p:txBody>
